--- a/Images/Figures_PPT/ComponentsChlorophytaPieChart.pptx
+++ b/Images/Figures_PPT/ComponentsChlorophytaPieChart.pptx
@@ -3033,7 +3033,7 @@
               </a:pathLst>
             </a:custGeom>
             <a:solidFill>
-              <a:srgbClr val="00BFC4">
+              <a:srgbClr val="9CC5A1">
                 <a:alpha val="100000"/>
               </a:srgbClr>
             </a:solidFill>
@@ -3253,7 +3253,7 @@
               </a:pathLst>
             </a:custGeom>
             <a:solidFill>
-              <a:srgbClr val="F8766D">
+              <a:srgbClr val="819595">
                 <a:alpha val="100000"/>
               </a:srgbClr>
             </a:solidFill>

--- a/Images/Figures_PPT/ComponentsChlorophytaPieChart.pptx
+++ b/Images/Figures_PPT/ComponentsChlorophytaPieChart.pptx
@@ -2298,735 +2298,741 @@
           </p:nvSpPr>
           <p:spPr>
             <a:xfrm>
-              <a:off x="3012819" y="1749568"/>
-              <a:ext cx="4947080" cy="4946956"/>
+              <a:off x="3012875" y="1749568"/>
+              <a:ext cx="4947049" cy="4946871"/>
             </a:xfrm>
             <a:custGeom>
               <a:avLst/>
               <a:pathLst>
-                <a:path w="4947080" h="4946956">
+                <a:path w="4947049" h="4946871">
                   <a:moveTo>
-                    <a:pt x="2473580" y="2473613"/>
+                    <a:pt x="2473524" y="2473613"/>
                   </a:moveTo>
                   <a:lnTo>
-                    <a:pt x="2467425" y="2388539"/>
-                  </a:lnTo>
-                  <a:lnTo>
-                    <a:pt x="2461270" y="2303464"/>
-                  </a:lnTo>
-                  <a:lnTo>
-                    <a:pt x="2455115" y="2218389"/>
-                  </a:lnTo>
-                  <a:lnTo>
-                    <a:pt x="2448960" y="2133315"/>
-                  </a:lnTo>
-                  <a:lnTo>
-                    <a:pt x="2442805" y="2048240"/>
-                  </a:lnTo>
-                  <a:lnTo>
-                    <a:pt x="2436651" y="1963165"/>
-                  </a:lnTo>
-                  <a:lnTo>
-                    <a:pt x="2430496" y="1878091"/>
-                  </a:lnTo>
-                  <a:lnTo>
-                    <a:pt x="2424341" y="1793016"/>
-                  </a:lnTo>
-                  <a:lnTo>
-                    <a:pt x="2418186" y="1707941"/>
-                  </a:lnTo>
-                  <a:lnTo>
-                    <a:pt x="2412031" y="1622867"/>
-                  </a:lnTo>
-                  <a:lnTo>
-                    <a:pt x="2405876" y="1537792"/>
-                  </a:lnTo>
-                  <a:lnTo>
-                    <a:pt x="2399722" y="1452717"/>
-                  </a:lnTo>
-                  <a:lnTo>
-                    <a:pt x="2393567" y="1367643"/>
-                  </a:lnTo>
-                  <a:lnTo>
-                    <a:pt x="2387412" y="1282568"/>
-                  </a:lnTo>
-                  <a:lnTo>
-                    <a:pt x="2381257" y="1197493"/>
-                  </a:lnTo>
-                  <a:lnTo>
-                    <a:pt x="2375102" y="1112419"/>
-                  </a:lnTo>
-                  <a:lnTo>
-                    <a:pt x="2368947" y="1027344"/>
-                  </a:lnTo>
-                  <a:lnTo>
-                    <a:pt x="2362792" y="942269"/>
-                  </a:lnTo>
-                  <a:lnTo>
-                    <a:pt x="2356638" y="857194"/>
-                  </a:lnTo>
-                  <a:lnTo>
-                    <a:pt x="2350483" y="772120"/>
-                  </a:lnTo>
-                  <a:lnTo>
-                    <a:pt x="2344328" y="687045"/>
-                  </a:lnTo>
-                  <a:lnTo>
-                    <a:pt x="2338173" y="601970"/>
-                  </a:lnTo>
-                  <a:lnTo>
-                    <a:pt x="2332018" y="516896"/>
-                  </a:lnTo>
-                  <a:lnTo>
-                    <a:pt x="2325863" y="431821"/>
-                  </a:lnTo>
-                  <a:lnTo>
-                    <a:pt x="2319709" y="346746"/>
-                  </a:lnTo>
-                  <a:lnTo>
-                    <a:pt x="2313554" y="261672"/>
-                  </a:lnTo>
-                  <a:lnTo>
-                    <a:pt x="2307399" y="176597"/>
-                  </a:lnTo>
-                  <a:lnTo>
-                    <a:pt x="2301244" y="91522"/>
-                  </a:lnTo>
-                  <a:lnTo>
-                    <a:pt x="2295089" y="6448"/>
-                  </a:lnTo>
-                  <a:lnTo>
-                    <a:pt x="2211473" y="13925"/>
-                  </a:lnTo>
-                  <a:lnTo>
-                    <a:pt x="2128159" y="24236"/>
-                  </a:lnTo>
-                  <a:lnTo>
-                    <a:pt x="2045243" y="37368"/>
-                  </a:lnTo>
-                  <a:lnTo>
-                    <a:pt x="1962820" y="53306"/>
-                  </a:lnTo>
-                  <a:lnTo>
-                    <a:pt x="1880985" y="72031"/>
-                  </a:lnTo>
-                  <a:lnTo>
-                    <a:pt x="1799833" y="93523"/>
-                  </a:lnTo>
-                  <a:lnTo>
-                    <a:pt x="1719457" y="117756"/>
-                  </a:lnTo>
-                  <a:lnTo>
-                    <a:pt x="1639950" y="144702"/>
-                  </a:lnTo>
-                  <a:lnTo>
-                    <a:pt x="1561402" y="174331"/>
-                  </a:lnTo>
-                  <a:lnTo>
-                    <a:pt x="1483906" y="206608"/>
-                  </a:lnTo>
-                  <a:lnTo>
-                    <a:pt x="1407549" y="241497"/>
-                  </a:lnTo>
-                  <a:lnTo>
-                    <a:pt x="1332420" y="278956"/>
-                  </a:lnTo>
-                  <a:lnTo>
-                    <a:pt x="1258606" y="318943"/>
-                  </a:lnTo>
-                  <a:lnTo>
-                    <a:pt x="1186191" y="361412"/>
-                  </a:lnTo>
-                  <a:lnTo>
-                    <a:pt x="1115258" y="406314"/>
-                  </a:lnTo>
-                  <a:lnTo>
-                    <a:pt x="1045890" y="453596"/>
-                  </a:lnTo>
-                  <a:lnTo>
-                    <a:pt x="978167" y="503206"/>
-                  </a:lnTo>
-                  <a:lnTo>
-                    <a:pt x="912166" y="555084"/>
-                  </a:lnTo>
-                  <a:lnTo>
-                    <a:pt x="847963" y="609173"/>
-                  </a:lnTo>
-                  <a:lnTo>
-                    <a:pt x="785633" y="665409"/>
-                  </a:lnTo>
-                  <a:lnTo>
-                    <a:pt x="725247" y="723728"/>
-                  </a:lnTo>
-                  <a:lnTo>
-                    <a:pt x="666875" y="784062"/>
-                  </a:lnTo>
-                  <a:lnTo>
-                    <a:pt x="610583" y="846342"/>
-                  </a:lnTo>
-                  <a:lnTo>
-                    <a:pt x="556438" y="910497"/>
-                  </a:lnTo>
-                  <a:lnTo>
-                    <a:pt x="504500" y="976452"/>
-                  </a:lnTo>
-                  <a:lnTo>
-                    <a:pt x="454831" y="1044131"/>
-                  </a:lnTo>
-                  <a:lnTo>
-                    <a:pt x="407487" y="1113457"/>
-                  </a:lnTo>
-                  <a:lnTo>
-                    <a:pt x="362522" y="1184349"/>
-                  </a:lnTo>
-                  <a:lnTo>
-                    <a:pt x="319989" y="1256727"/>
-                  </a:lnTo>
-                  <a:lnTo>
-                    <a:pt x="279936" y="1330506"/>
-                  </a:lnTo>
-                  <a:lnTo>
-                    <a:pt x="242410" y="1405601"/>
-                  </a:lnTo>
-                  <a:lnTo>
-                    <a:pt x="207454" y="1481927"/>
-                  </a:lnTo>
-                  <a:lnTo>
-                    <a:pt x="175108" y="1559395"/>
-                  </a:lnTo>
-                  <a:lnTo>
-                    <a:pt x="145410" y="1637916"/>
-                  </a:lnTo>
-                  <a:lnTo>
-                    <a:pt x="118393" y="1717399"/>
-                  </a:lnTo>
-                  <a:lnTo>
-                    <a:pt x="94088" y="1797754"/>
-                  </a:lnTo>
-                  <a:lnTo>
-                    <a:pt x="72524" y="1878887"/>
-                  </a:lnTo>
-                  <a:lnTo>
-                    <a:pt x="53726" y="1960705"/>
-                  </a:lnTo>
-                  <a:lnTo>
-                    <a:pt x="37715" y="2043114"/>
-                  </a:lnTo>
-                  <a:lnTo>
-                    <a:pt x="24510" y="2126018"/>
-                  </a:lnTo>
-                  <a:lnTo>
-                    <a:pt x="14125" y="2209323"/>
-                  </a:lnTo>
-                  <a:lnTo>
-                    <a:pt x="6573" y="2292932"/>
-                  </a:lnTo>
-                  <a:lnTo>
-                    <a:pt x="1863" y="2376750"/>
-                  </a:lnTo>
-                  <a:lnTo>
-                    <a:pt x="0" y="2460679"/>
-                  </a:lnTo>
-                  <a:lnTo>
-                    <a:pt x="985" y="2544623"/>
-                  </a:lnTo>
-                  <a:lnTo>
-                    <a:pt x="4819" y="2628485"/>
-                  </a:lnTo>
-                  <a:lnTo>
-                    <a:pt x="11496" y="2712168"/>
-                  </a:lnTo>
-                  <a:lnTo>
-                    <a:pt x="21009" y="2795577"/>
-                  </a:lnTo>
-                  <a:lnTo>
-                    <a:pt x="33346" y="2878616"/>
-                  </a:lnTo>
-                  <a:lnTo>
-                    <a:pt x="48495" y="2961187"/>
-                  </a:lnTo>
-                  <a:lnTo>
-                    <a:pt x="66436" y="3043197"/>
-                  </a:lnTo>
-                  <a:lnTo>
-                    <a:pt x="87150" y="3124551"/>
-                  </a:lnTo>
-                  <a:lnTo>
-                    <a:pt x="110613" y="3205156"/>
-                  </a:lnTo>
-                  <a:lnTo>
-                    <a:pt x="136797" y="3284917"/>
-                  </a:lnTo>
-                  <a:lnTo>
-                    <a:pt x="165673" y="3363745"/>
-                  </a:lnTo>
-                  <a:lnTo>
-                    <a:pt x="197207" y="3441547"/>
-                  </a:lnTo>
-                  <a:lnTo>
-                    <a:pt x="231363" y="3518234"/>
-                  </a:lnTo>
-                  <a:lnTo>
-                    <a:pt x="268102" y="3593718"/>
-                  </a:lnTo>
-                  <a:lnTo>
-                    <a:pt x="307381" y="3667911"/>
-                  </a:lnTo>
-                  <a:lnTo>
-                    <a:pt x="349154" y="3740730"/>
-                  </a:lnTo>
-                  <a:lnTo>
-                    <a:pt x="393375" y="3812088"/>
-                  </a:lnTo>
-                  <a:lnTo>
-                    <a:pt x="439992" y="3881906"/>
-                  </a:lnTo>
-                  <a:lnTo>
-                    <a:pt x="488951" y="3950101"/>
-                  </a:lnTo>
-                  <a:lnTo>
-                    <a:pt x="540196" y="4016595"/>
-                  </a:lnTo>
-                  <a:lnTo>
-                    <a:pt x="593667" y="4081312"/>
-                  </a:lnTo>
-                  <a:lnTo>
-                    <a:pt x="649304" y="4144178"/>
-                  </a:lnTo>
-                  <a:lnTo>
-                    <a:pt x="707043" y="4205119"/>
-                  </a:lnTo>
-                  <a:lnTo>
-                    <a:pt x="766815" y="4264066"/>
-                  </a:lnTo>
-                  <a:lnTo>
-                    <a:pt x="828554" y="4320951"/>
-                  </a:lnTo>
-                  <a:lnTo>
-                    <a:pt x="892187" y="4375708"/>
-                  </a:lnTo>
-                  <a:lnTo>
-                    <a:pt x="957642" y="4428275"/>
-                  </a:lnTo>
-                  <a:lnTo>
-                    <a:pt x="1024843" y="4478589"/>
-                  </a:lnTo>
-                  <a:lnTo>
-                    <a:pt x="1093713" y="4526595"/>
-                  </a:lnTo>
-                  <a:lnTo>
-                    <a:pt x="1164172" y="4572236"/>
-                  </a:lnTo>
-                  <a:lnTo>
-                    <a:pt x="1236139" y="4615460"/>
-                  </a:lnTo>
-                  <a:lnTo>
-                    <a:pt x="1309531" y="4656217"/>
-                  </a:lnTo>
-                  <a:lnTo>
-                    <a:pt x="1384264" y="4694460"/>
-                  </a:lnTo>
-                  <a:lnTo>
-                    <a:pt x="1460252" y="4730144"/>
-                  </a:lnTo>
-                  <a:lnTo>
-                    <a:pt x="1537407" y="4763230"/>
-                  </a:lnTo>
-                  <a:lnTo>
-                    <a:pt x="1615640" y="4793679"/>
-                  </a:lnTo>
-                  <a:lnTo>
-                    <a:pt x="1694861" y="4821456"/>
-                  </a:lnTo>
-                  <a:lnTo>
-                    <a:pt x="1774979" y="4846528"/>
-                  </a:lnTo>
-                  <a:lnTo>
-                    <a:pt x="1855902" y="4868867"/>
-                  </a:lnTo>
-                  <a:lnTo>
-                    <a:pt x="1937536" y="4888447"/>
-                  </a:lnTo>
-                  <a:lnTo>
-                    <a:pt x="2019788" y="4905246"/>
-                  </a:lnTo>
-                  <a:lnTo>
-                    <a:pt x="2102562" y="4919245"/>
-                  </a:lnTo>
-                  <a:lnTo>
-                    <a:pt x="2185764" y="4930426"/>
-                  </a:lnTo>
-                  <a:lnTo>
-                    <a:pt x="2269297" y="4938778"/>
-                  </a:lnTo>
-                  <a:lnTo>
-                    <a:pt x="2353066" y="4944290"/>
-                  </a:lnTo>
-                  <a:lnTo>
-                    <a:pt x="2436973" y="4946956"/>
-                  </a:lnTo>
-                  <a:lnTo>
-                    <a:pt x="2520923" y="4946774"/>
-                  </a:lnTo>
-                  <a:lnTo>
-                    <a:pt x="2604818" y="4943743"/>
-                  </a:lnTo>
-                  <a:lnTo>
-                    <a:pt x="2688561" y="4937868"/>
-                  </a:lnTo>
-                  <a:lnTo>
-                    <a:pt x="2772058" y="4929153"/>
-                  </a:lnTo>
-                  <a:lnTo>
-                    <a:pt x="2855210" y="4917611"/>
-                  </a:lnTo>
-                  <a:lnTo>
-                    <a:pt x="2937923" y="4903254"/>
-                  </a:lnTo>
-                  <a:lnTo>
-                    <a:pt x="3020101" y="4886098"/>
-                  </a:lnTo>
-                  <a:lnTo>
-                    <a:pt x="3101649" y="4866163"/>
-                  </a:lnTo>
-                  <a:lnTo>
-                    <a:pt x="3182475" y="4843473"/>
-                  </a:lnTo>
-                  <a:lnTo>
-                    <a:pt x="3262483" y="4818053"/>
-                  </a:lnTo>
-                  <a:lnTo>
-                    <a:pt x="3341583" y="4789933"/>
-                  </a:lnTo>
-                  <a:lnTo>
-                    <a:pt x="3419683" y="4759145"/>
-                  </a:lnTo>
-                  <a:lnTo>
-                    <a:pt x="3496694" y="4725724"/>
-                  </a:lnTo>
-                  <a:lnTo>
-                    <a:pt x="3572526" y="4689710"/>
-                  </a:lnTo>
-                  <a:lnTo>
-                    <a:pt x="3647092" y="4651143"/>
-                  </a:lnTo>
-                  <a:lnTo>
-                    <a:pt x="3720307" y="4610068"/>
-                  </a:lnTo>
-                  <a:lnTo>
-                    <a:pt x="3792086" y="4566532"/>
-                  </a:lnTo>
-                  <a:lnTo>
-                    <a:pt x="3862346" y="4520586"/>
-                  </a:lnTo>
-                  <a:lnTo>
-                    <a:pt x="3931006" y="4472281"/>
-                  </a:lnTo>
-                  <a:lnTo>
-                    <a:pt x="3997988" y="4421675"/>
-                  </a:lnTo>
-                  <a:lnTo>
-                    <a:pt x="4063214" y="4368825"/>
-                  </a:lnTo>
-                  <a:lnTo>
-                    <a:pt x="4126609" y="4313793"/>
-                  </a:lnTo>
-                  <a:lnTo>
-                    <a:pt x="4188100" y="4256640"/>
-                  </a:lnTo>
-                  <a:lnTo>
-                    <a:pt x="4247617" y="4197434"/>
-                  </a:lnTo>
-                  <a:lnTo>
-                    <a:pt x="4305090" y="4136243"/>
-                  </a:lnTo>
-                  <a:lnTo>
-                    <a:pt x="4360453" y="4073136"/>
-                  </a:lnTo>
-                  <a:lnTo>
-                    <a:pt x="4413644" y="4008188"/>
-                  </a:lnTo>
-                  <a:lnTo>
-                    <a:pt x="4464599" y="3941471"/>
-                  </a:lnTo>
-                  <a:lnTo>
-                    <a:pt x="4513262" y="3873064"/>
-                  </a:lnTo>
-                  <a:lnTo>
-                    <a:pt x="4559575" y="3803045"/>
-                  </a:lnTo>
-                  <a:lnTo>
-                    <a:pt x="4603485" y="3731495"/>
-                  </a:lnTo>
-                  <a:lnTo>
-                    <a:pt x="4644943" y="3658496"/>
-                  </a:lnTo>
-                  <a:lnTo>
-                    <a:pt x="4683899" y="3584133"/>
-                  </a:lnTo>
-                  <a:lnTo>
-                    <a:pt x="4720310" y="3508490"/>
-                  </a:lnTo>
-                  <a:lnTo>
-                    <a:pt x="4754132" y="3431655"/>
-                  </a:lnTo>
-                  <a:lnTo>
-                    <a:pt x="4785329" y="3353717"/>
-                  </a:lnTo>
-                  <a:lnTo>
-                    <a:pt x="4813862" y="3274765"/>
-                  </a:lnTo>
-                  <a:lnTo>
-                    <a:pt x="4839700" y="3194891"/>
-                  </a:lnTo>
-                  <a:lnTo>
-                    <a:pt x="4862812" y="3114185"/>
-                  </a:lnTo>
-                  <a:lnTo>
-                    <a:pt x="4883173" y="3032742"/>
-                  </a:lnTo>
-                  <a:lnTo>
-                    <a:pt x="4900758" y="2950655"/>
-                  </a:lnTo>
-                  <a:lnTo>
-                    <a:pt x="4915548" y="2868018"/>
-                  </a:lnTo>
-                  <a:lnTo>
-                    <a:pt x="4927525" y="2784928"/>
-                  </a:lnTo>
-                  <a:lnTo>
-                    <a:pt x="4936676" y="2701478"/>
-                  </a:lnTo>
-                  <a:lnTo>
-                    <a:pt x="4942990" y="2617766"/>
-                  </a:lnTo>
-                  <a:lnTo>
-                    <a:pt x="4946459" y="2533888"/>
-                  </a:lnTo>
-                  <a:lnTo>
-                    <a:pt x="4947080" y="2449941"/>
-                  </a:lnTo>
-                  <a:lnTo>
-                    <a:pt x="4944852" y="2366021"/>
-                  </a:lnTo>
-                  <a:lnTo>
-                    <a:pt x="4939778" y="2282224"/>
-                  </a:lnTo>
-                  <a:lnTo>
-                    <a:pt x="4931864" y="2198649"/>
-                  </a:lnTo>
-                  <a:lnTo>
-                    <a:pt x="4921117" y="2115390"/>
-                  </a:lnTo>
-                  <a:lnTo>
-                    <a:pt x="4907552" y="2032543"/>
-                  </a:lnTo>
-                  <a:lnTo>
-                    <a:pt x="4891184" y="1950205"/>
-                  </a:lnTo>
-                  <a:lnTo>
-                    <a:pt x="4872030" y="1868469"/>
-                  </a:lnTo>
-                  <a:lnTo>
-                    <a:pt x="4850115" y="1787431"/>
-                  </a:lnTo>
-                  <a:lnTo>
-                    <a:pt x="4825462" y="1707182"/>
-                  </a:lnTo>
-                  <a:lnTo>
-                    <a:pt x="4798100" y="1627817"/>
-                  </a:lnTo>
-                  <a:lnTo>
-                    <a:pt x="4768061" y="1549426"/>
-                  </a:lnTo>
-                  <a:lnTo>
-                    <a:pt x="4735379" y="1472099"/>
-                  </a:lnTo>
-                  <a:lnTo>
-                    <a:pt x="4700091" y="1395926"/>
-                  </a:lnTo>
-                  <a:lnTo>
-                    <a:pt x="4662240" y="1320994"/>
-                  </a:lnTo>
-                  <a:lnTo>
-                    <a:pt x="4621867" y="1247389"/>
-                  </a:lnTo>
-                  <a:lnTo>
-                    <a:pt x="4579020" y="1175197"/>
-                  </a:lnTo>
-                  <a:lnTo>
-                    <a:pt x="4533749" y="1104501"/>
-                  </a:lnTo>
-                  <a:lnTo>
-                    <a:pt x="4486104" y="1035381"/>
-                  </a:lnTo>
-                  <a:lnTo>
-                    <a:pt x="4436141" y="967918"/>
-                  </a:lnTo>
-                  <a:lnTo>
-                    <a:pt x="4383918" y="902189"/>
-                  </a:lnTo>
-                  <a:lnTo>
-                    <a:pt x="4329494" y="838270"/>
-                  </a:lnTo>
-                  <a:lnTo>
-                    <a:pt x="4272933" y="776235"/>
-                  </a:lnTo>
-                  <a:lnTo>
-                    <a:pt x="4214299" y="716155"/>
-                  </a:lnTo>
-                  <a:lnTo>
-                    <a:pt x="4153660" y="658099"/>
-                  </a:lnTo>
-                  <a:lnTo>
-                    <a:pt x="4091087" y="602134"/>
-                  </a:lnTo>
-                  <a:lnTo>
-                    <a:pt x="4026650" y="548324"/>
-                  </a:lnTo>
-                  <a:lnTo>
-                    <a:pt x="3960424" y="496732"/>
-                  </a:lnTo>
-                  <a:lnTo>
-                    <a:pt x="3892486" y="447418"/>
-                  </a:lnTo>
-                  <a:lnTo>
-                    <a:pt x="3822914" y="400436"/>
-                  </a:lnTo>
-                  <a:lnTo>
-                    <a:pt x="3751787" y="355843"/>
-                  </a:lnTo>
-                  <a:lnTo>
-                    <a:pt x="3679188" y="313689"/>
-                  </a:lnTo>
-                  <a:lnTo>
-                    <a:pt x="3605201" y="274023"/>
-                  </a:lnTo>
-                  <a:lnTo>
-                    <a:pt x="3529910" y="236890"/>
-                  </a:lnTo>
-                  <a:lnTo>
-                    <a:pt x="3453403" y="202333"/>
-                  </a:lnTo>
-                  <a:lnTo>
-                    <a:pt x="3375767" y="170393"/>
-                  </a:lnTo>
-                  <a:lnTo>
-                    <a:pt x="3297092" y="141105"/>
-                  </a:lnTo>
-                  <a:lnTo>
-                    <a:pt x="3217468" y="114504"/>
-                  </a:lnTo>
-                  <a:lnTo>
-                    <a:pt x="3136987" y="90620"/>
-                  </a:lnTo>
-                  <a:lnTo>
-                    <a:pt x="3055743" y="69481"/>
-                  </a:lnTo>
-                  <a:lnTo>
-                    <a:pt x="2973828" y="51111"/>
-                  </a:lnTo>
-                  <a:lnTo>
-                    <a:pt x="2891336" y="35531"/>
-                  </a:lnTo>
-                  <a:lnTo>
-                    <a:pt x="2808364" y="22759"/>
-                  </a:lnTo>
-                  <a:lnTo>
-                    <a:pt x="2725006" y="12811"/>
-                  </a:lnTo>
-                  <a:lnTo>
-                    <a:pt x="2641358" y="5696"/>
-                  </a:lnTo>
-                  <a:lnTo>
-                    <a:pt x="2557517" y="1424"/>
-                  </a:lnTo>
-                  <a:lnTo>
-                    <a:pt x="2473580" y="0"/>
-                  </a:lnTo>
-                  <a:lnTo>
-                    <a:pt x="2473580" y="85297"/>
-                  </a:lnTo>
-                  <a:lnTo>
-                    <a:pt x="2473580" y="170594"/>
-                  </a:lnTo>
-                  <a:lnTo>
-                    <a:pt x="2473580" y="255891"/>
-                  </a:lnTo>
-                  <a:lnTo>
-                    <a:pt x="2473580" y="341188"/>
-                  </a:lnTo>
-                  <a:lnTo>
-                    <a:pt x="2473580" y="426485"/>
-                  </a:lnTo>
-                  <a:lnTo>
-                    <a:pt x="2473580" y="511782"/>
-                  </a:lnTo>
-                  <a:lnTo>
-                    <a:pt x="2473580" y="597079"/>
-                  </a:lnTo>
-                  <a:lnTo>
-                    <a:pt x="2473580" y="682376"/>
-                  </a:lnTo>
-                  <a:lnTo>
-                    <a:pt x="2473580" y="767673"/>
-                  </a:lnTo>
-                  <a:lnTo>
-                    <a:pt x="2473580" y="852970"/>
-                  </a:lnTo>
-                  <a:lnTo>
-                    <a:pt x="2473580" y="938267"/>
-                  </a:lnTo>
-                  <a:lnTo>
-                    <a:pt x="2473580" y="1023564"/>
-                  </a:lnTo>
-                  <a:lnTo>
-                    <a:pt x="2473580" y="1108861"/>
-                  </a:lnTo>
-                  <a:lnTo>
-                    <a:pt x="2473580" y="1194158"/>
-                  </a:lnTo>
-                  <a:lnTo>
-                    <a:pt x="2473580" y="1279455"/>
-                  </a:lnTo>
-                  <a:lnTo>
-                    <a:pt x="2473580" y="1364752"/>
-                  </a:lnTo>
-                  <a:lnTo>
-                    <a:pt x="2473580" y="1450049"/>
-                  </a:lnTo>
-                  <a:lnTo>
-                    <a:pt x="2473580" y="1535346"/>
-                  </a:lnTo>
-                  <a:lnTo>
-                    <a:pt x="2473580" y="1620643"/>
-                  </a:lnTo>
-                  <a:lnTo>
-                    <a:pt x="2473580" y="1705940"/>
-                  </a:lnTo>
-                  <a:lnTo>
-                    <a:pt x="2473580" y="1791237"/>
-                  </a:lnTo>
-                  <a:lnTo>
-                    <a:pt x="2473580" y="1876534"/>
-                  </a:lnTo>
-                  <a:lnTo>
-                    <a:pt x="2473580" y="1961831"/>
-                  </a:lnTo>
-                  <a:lnTo>
-                    <a:pt x="2473580" y="2047128"/>
-                  </a:lnTo>
-                  <a:lnTo>
-                    <a:pt x="2473580" y="2132425"/>
-                  </a:lnTo>
-                  <a:lnTo>
-                    <a:pt x="2473580" y="2217722"/>
-                  </a:lnTo>
-                  <a:lnTo>
-                    <a:pt x="2473580" y="2303019"/>
-                  </a:lnTo>
-                  <a:lnTo>
-                    <a:pt x="2473580" y="2388316"/>
+                    <a:pt x="2473524" y="2388316"/>
+                  </a:lnTo>
+                  <a:lnTo>
+                    <a:pt x="2473524" y="2303019"/>
+                  </a:lnTo>
+                  <a:lnTo>
+                    <a:pt x="2473524" y="2217722"/>
+                  </a:lnTo>
+                  <a:lnTo>
+                    <a:pt x="2473524" y="2132425"/>
+                  </a:lnTo>
+                  <a:lnTo>
+                    <a:pt x="2473524" y="2047128"/>
+                  </a:lnTo>
+                  <a:lnTo>
+                    <a:pt x="2473524" y="1961831"/>
+                  </a:lnTo>
+                  <a:lnTo>
+                    <a:pt x="2473524" y="1876534"/>
+                  </a:lnTo>
+                  <a:lnTo>
+                    <a:pt x="2473524" y="1791237"/>
+                  </a:lnTo>
+                  <a:lnTo>
+                    <a:pt x="2473524" y="1705940"/>
+                  </a:lnTo>
+                  <a:lnTo>
+                    <a:pt x="2473524" y="1620643"/>
+                  </a:lnTo>
+                  <a:lnTo>
+                    <a:pt x="2473524" y="1535346"/>
+                  </a:lnTo>
+                  <a:lnTo>
+                    <a:pt x="2473524" y="1450049"/>
+                  </a:lnTo>
+                  <a:lnTo>
+                    <a:pt x="2473524" y="1364752"/>
+                  </a:lnTo>
+                  <a:lnTo>
+                    <a:pt x="2473524" y="1279455"/>
+                  </a:lnTo>
+                  <a:lnTo>
+                    <a:pt x="2473524" y="1194158"/>
+                  </a:lnTo>
+                  <a:lnTo>
+                    <a:pt x="2473524" y="1108861"/>
+                  </a:lnTo>
+                  <a:lnTo>
+                    <a:pt x="2473524" y="1023564"/>
+                  </a:lnTo>
+                  <a:lnTo>
+                    <a:pt x="2473524" y="938267"/>
+                  </a:lnTo>
+                  <a:lnTo>
+                    <a:pt x="2473524" y="852970"/>
+                  </a:lnTo>
+                  <a:lnTo>
+                    <a:pt x="2473524" y="767673"/>
+                  </a:lnTo>
+                  <a:lnTo>
+                    <a:pt x="2473524" y="682376"/>
+                  </a:lnTo>
+                  <a:lnTo>
+                    <a:pt x="2473524" y="597079"/>
+                  </a:lnTo>
+                  <a:lnTo>
+                    <a:pt x="2473524" y="511782"/>
+                  </a:lnTo>
+                  <a:lnTo>
+                    <a:pt x="2473524" y="426485"/>
+                  </a:lnTo>
+                  <a:lnTo>
+                    <a:pt x="2473524" y="341188"/>
+                  </a:lnTo>
+                  <a:lnTo>
+                    <a:pt x="2473524" y="255891"/>
+                  </a:lnTo>
+                  <a:lnTo>
+                    <a:pt x="2473524" y="170594"/>
+                  </a:lnTo>
+                  <a:lnTo>
+                    <a:pt x="2473524" y="85297"/>
+                  </a:lnTo>
+                  <a:lnTo>
+                    <a:pt x="2473524" y="0"/>
+                  </a:lnTo>
+                  <a:lnTo>
+                    <a:pt x="2389529" y="1426"/>
+                  </a:lnTo>
+                  <a:lnTo>
+                    <a:pt x="2305630" y="5704"/>
+                  </a:lnTo>
+                  <a:lnTo>
+                    <a:pt x="2221925" y="12828"/>
+                  </a:lnTo>
+                  <a:lnTo>
+                    <a:pt x="2138510" y="22791"/>
+                  </a:lnTo>
+                  <a:lnTo>
+                    <a:pt x="2055481" y="35580"/>
+                  </a:lnTo>
+                  <a:lnTo>
+                    <a:pt x="1972935" y="51182"/>
+                  </a:lnTo>
+                  <a:lnTo>
+                    <a:pt x="1890966" y="69577"/>
+                  </a:lnTo>
+                  <a:lnTo>
+                    <a:pt x="1809669" y="90745"/>
+                  </a:lnTo>
+                  <a:lnTo>
+                    <a:pt x="1729138" y="114661"/>
+                  </a:lnTo>
+                  <a:lnTo>
+                    <a:pt x="1649465" y="141299"/>
+                  </a:lnTo>
+                  <a:lnTo>
+                    <a:pt x="1570743" y="170626"/>
+                  </a:lnTo>
+                  <a:lnTo>
+                    <a:pt x="1493062" y="202609"/>
+                  </a:lnTo>
+                  <a:lnTo>
+                    <a:pt x="1416511" y="237212"/>
+                  </a:lnTo>
+                  <a:lnTo>
+                    <a:pt x="1341180" y="274395"/>
+                  </a:lnTo>
+                  <a:lnTo>
+                    <a:pt x="1267155" y="314114"/>
+                  </a:lnTo>
+                  <a:lnTo>
+                    <a:pt x="1194522" y="356323"/>
+                  </a:lnTo>
+                  <a:lnTo>
+                    <a:pt x="1123363" y="400975"/>
+                  </a:lnTo>
+                  <a:lnTo>
+                    <a:pt x="1053762" y="448017"/>
+                  </a:lnTo>
+                  <a:lnTo>
+                    <a:pt x="985798" y="497396"/>
+                  </a:lnTo>
+                  <a:lnTo>
+                    <a:pt x="919551" y="549053"/>
+                  </a:lnTo>
+                  <a:lnTo>
+                    <a:pt x="855095" y="602931"/>
+                  </a:lnTo>
+                  <a:lnTo>
+                    <a:pt x="792506" y="658966"/>
+                  </a:lnTo>
+                  <a:lnTo>
+                    <a:pt x="731856" y="717094"/>
+                  </a:lnTo>
+                  <a:lnTo>
+                    <a:pt x="673215" y="777249"/>
+                  </a:lnTo>
+                  <a:lnTo>
+                    <a:pt x="616651" y="839359"/>
+                  </a:lnTo>
+                  <a:lnTo>
+                    <a:pt x="562228" y="903355"/>
+                  </a:lnTo>
+                  <a:lnTo>
+                    <a:pt x="510009" y="969162"/>
+                  </a:lnTo>
+                  <a:lnTo>
+                    <a:pt x="460056" y="1036704"/>
+                  </a:lnTo>
+                  <a:lnTo>
+                    <a:pt x="412424" y="1105903"/>
+                  </a:lnTo>
+                  <a:lnTo>
+                    <a:pt x="367170" y="1176680"/>
+                  </a:lnTo>
+                  <a:lnTo>
+                    <a:pt x="324345" y="1248952"/>
+                  </a:lnTo>
+                  <a:lnTo>
+                    <a:pt x="283999" y="1322637"/>
+                  </a:lnTo>
+                  <a:lnTo>
+                    <a:pt x="246179" y="1397650"/>
+                  </a:lnTo>
+                  <a:lnTo>
+                    <a:pt x="210927" y="1473904"/>
+                  </a:lnTo>
+                  <a:lnTo>
+                    <a:pt x="178285" y="1551310"/>
+                  </a:lnTo>
+                  <a:lnTo>
+                    <a:pt x="148290" y="1629781"/>
+                  </a:lnTo>
+                  <a:lnTo>
+                    <a:pt x="120978" y="1709225"/>
+                  </a:lnTo>
+                  <a:lnTo>
+                    <a:pt x="96378" y="1789550"/>
+                  </a:lnTo>
+                  <a:lnTo>
+                    <a:pt x="74521" y="1870664"/>
+                  </a:lnTo>
+                  <a:lnTo>
+                    <a:pt x="55430" y="1952474"/>
+                  </a:lnTo>
+                  <a:lnTo>
+                    <a:pt x="39128" y="2034885"/>
+                  </a:lnTo>
+                  <a:lnTo>
+                    <a:pt x="25635" y="2117802"/>
+                  </a:lnTo>
+                  <a:lnTo>
+                    <a:pt x="14964" y="2201129"/>
+                  </a:lnTo>
+                  <a:lnTo>
+                    <a:pt x="7129" y="2284771"/>
+                  </a:lnTo>
+                  <a:lnTo>
+                    <a:pt x="2139" y="2368630"/>
+                  </a:lnTo>
+                  <a:lnTo>
+                    <a:pt x="0" y="2452611"/>
+                  </a:lnTo>
+                  <a:lnTo>
+                    <a:pt x="713" y="2536615"/>
+                  </a:lnTo>
+                  <a:lnTo>
+                    <a:pt x="4278" y="2620547"/>
+                  </a:lnTo>
+                  <a:lnTo>
+                    <a:pt x="10692" y="2704310"/>
+                  </a:lnTo>
+                  <a:lnTo>
+                    <a:pt x="19946" y="2787806"/>
+                  </a:lnTo>
+                  <a:lnTo>
+                    <a:pt x="32029" y="2870941"/>
+                  </a:lnTo>
+                  <a:lnTo>
+                    <a:pt x="46929" y="2953616"/>
+                  </a:lnTo>
+                  <a:lnTo>
+                    <a:pt x="64628" y="3035739"/>
+                  </a:lnTo>
+                  <a:lnTo>
+                    <a:pt x="85105" y="3117212"/>
+                  </a:lnTo>
+                  <a:lnTo>
+                    <a:pt x="108337" y="3197944"/>
+                  </a:lnTo>
+                  <a:lnTo>
+                    <a:pt x="134297" y="3277840"/>
+                  </a:lnTo>
+                  <a:lnTo>
+                    <a:pt x="162955" y="3356809"/>
+                  </a:lnTo>
+                  <a:lnTo>
+                    <a:pt x="194277" y="3434758"/>
+                  </a:lnTo>
+                  <a:lnTo>
+                    <a:pt x="228229" y="3511600"/>
+                  </a:lnTo>
+                  <a:lnTo>
+                    <a:pt x="264770" y="3587244"/>
+                  </a:lnTo>
+                  <a:lnTo>
+                    <a:pt x="303859" y="3661603"/>
+                  </a:lnTo>
+                  <a:lnTo>
+                    <a:pt x="345451" y="3734593"/>
+                  </a:lnTo>
+                  <a:lnTo>
+                    <a:pt x="389497" y="3806128"/>
+                  </a:lnTo>
+                  <a:lnTo>
+                    <a:pt x="435946" y="3876126"/>
+                  </a:lnTo>
+                  <a:lnTo>
+                    <a:pt x="484746" y="3944506"/>
+                  </a:lnTo>
+                  <a:lnTo>
+                    <a:pt x="535839" y="4011190"/>
+                  </a:lnTo>
+                  <a:lnTo>
+                    <a:pt x="589168" y="4076101"/>
+                  </a:lnTo>
+                  <a:lnTo>
+                    <a:pt x="644669" y="4139163"/>
+                  </a:lnTo>
+                  <a:lnTo>
+                    <a:pt x="702281" y="4200304"/>
+                  </a:lnTo>
+                  <a:lnTo>
+                    <a:pt x="761935" y="4259454"/>
+                  </a:lnTo>
+                  <a:lnTo>
+                    <a:pt x="823563" y="4316544"/>
+                  </a:lnTo>
+                  <a:lnTo>
+                    <a:pt x="887094" y="4371508"/>
+                  </a:lnTo>
+                  <a:lnTo>
+                    <a:pt x="952455" y="4424284"/>
+                  </a:lnTo>
+                  <a:lnTo>
+                    <a:pt x="1019570" y="4474809"/>
+                  </a:lnTo>
+                  <a:lnTo>
+                    <a:pt x="1088363" y="4523026"/>
+                  </a:lnTo>
+                  <a:lnTo>
+                    <a:pt x="1158753" y="4568880"/>
+                  </a:lnTo>
+                  <a:lnTo>
+                    <a:pt x="1230659" y="4612317"/>
+                  </a:lnTo>
+                  <a:lnTo>
+                    <a:pt x="1303999" y="4653287"/>
+                  </a:lnTo>
+                  <a:lnTo>
+                    <a:pt x="1378688" y="4691743"/>
+                  </a:lnTo>
+                  <a:lnTo>
+                    <a:pt x="1454640" y="4727641"/>
+                  </a:lnTo>
+                  <a:lnTo>
+                    <a:pt x="1531766" y="4760939"/>
+                  </a:lnTo>
+                  <a:lnTo>
+                    <a:pt x="1609979" y="4791599"/>
+                  </a:lnTo>
+                  <a:lnTo>
+                    <a:pt x="1689188" y="4819585"/>
+                  </a:lnTo>
+                  <a:lnTo>
+                    <a:pt x="1769302" y="4844866"/>
+                  </a:lnTo>
+                  <a:lnTo>
+                    <a:pt x="1850228" y="4867411"/>
+                  </a:lnTo>
+                  <a:lnTo>
+                    <a:pt x="1931873" y="4887196"/>
+                  </a:lnTo>
+                  <a:lnTo>
+                    <a:pt x="2014142" y="4904196"/>
+                  </a:lnTo>
+                  <a:lnTo>
+                    <a:pt x="2096941" y="4918394"/>
+                  </a:lnTo>
+                  <a:lnTo>
+                    <a:pt x="2180175" y="4929771"/>
+                  </a:lnTo>
+                  <a:lnTo>
+                    <a:pt x="2263747" y="4938316"/>
+                  </a:lnTo>
+                  <a:lnTo>
+                    <a:pt x="2347561" y="4944018"/>
+                  </a:lnTo>
+                  <a:lnTo>
+                    <a:pt x="2431520" y="4946871"/>
+                  </a:lnTo>
+                  <a:lnTo>
+                    <a:pt x="2515528" y="4946871"/>
+                  </a:lnTo>
+                  <a:lnTo>
+                    <a:pt x="2599487" y="4944018"/>
+                  </a:lnTo>
+                  <a:lnTo>
+                    <a:pt x="2683301" y="4938316"/>
+                  </a:lnTo>
+                  <a:lnTo>
+                    <a:pt x="2766873" y="4929771"/>
+                  </a:lnTo>
+                  <a:lnTo>
+                    <a:pt x="2850107" y="4918394"/>
+                  </a:lnTo>
+                  <a:lnTo>
+                    <a:pt x="2932906" y="4904196"/>
+                  </a:lnTo>
+                  <a:lnTo>
+                    <a:pt x="3015176" y="4887196"/>
+                  </a:lnTo>
+                  <a:lnTo>
+                    <a:pt x="3096821" y="4867411"/>
+                  </a:lnTo>
+                  <a:lnTo>
+                    <a:pt x="3177747" y="4844866"/>
+                  </a:lnTo>
+                  <a:lnTo>
+                    <a:pt x="3257860" y="4819585"/>
+                  </a:lnTo>
+                  <a:lnTo>
+                    <a:pt x="3337069" y="4791599"/>
+                  </a:lnTo>
+                  <a:lnTo>
+                    <a:pt x="3415282" y="4760939"/>
+                  </a:lnTo>
+                  <a:lnTo>
+                    <a:pt x="3492409" y="4727641"/>
+                  </a:lnTo>
+                  <a:lnTo>
+                    <a:pt x="3568361" y="4691743"/>
+                  </a:lnTo>
+                  <a:lnTo>
+                    <a:pt x="3643049" y="4653287"/>
+                  </a:lnTo>
+                  <a:lnTo>
+                    <a:pt x="3716389" y="4612317"/>
+                  </a:lnTo>
+                  <a:lnTo>
+                    <a:pt x="3788296" y="4568880"/>
+                  </a:lnTo>
+                  <a:lnTo>
+                    <a:pt x="3858686" y="4523026"/>
+                  </a:lnTo>
+                  <a:lnTo>
+                    <a:pt x="3927478" y="4474809"/>
+                  </a:lnTo>
+                  <a:lnTo>
+                    <a:pt x="3994593" y="4424284"/>
+                  </a:lnTo>
+                  <a:lnTo>
+                    <a:pt x="4059954" y="4371508"/>
+                  </a:lnTo>
+                  <a:lnTo>
+                    <a:pt x="4123486" y="4316544"/>
+                  </a:lnTo>
+                  <a:lnTo>
+                    <a:pt x="4185114" y="4259454"/>
+                  </a:lnTo>
+                  <a:lnTo>
+                    <a:pt x="4244768" y="4200304"/>
+                  </a:lnTo>
+                  <a:lnTo>
+                    <a:pt x="4302379" y="4139163"/>
+                  </a:lnTo>
+                  <a:lnTo>
+                    <a:pt x="4357881" y="4076101"/>
+                  </a:lnTo>
+                  <a:lnTo>
+                    <a:pt x="4411209" y="4011190"/>
+                  </a:lnTo>
+                  <a:lnTo>
+                    <a:pt x="4462303" y="3944506"/>
+                  </a:lnTo>
+                  <a:lnTo>
+                    <a:pt x="4511102" y="3876126"/>
+                  </a:lnTo>
+                  <a:lnTo>
+                    <a:pt x="4557552" y="3806128"/>
+                  </a:lnTo>
+                  <a:lnTo>
+                    <a:pt x="4601598" y="3734593"/>
+                  </a:lnTo>
+                  <a:lnTo>
+                    <a:pt x="4643189" y="3661603"/>
+                  </a:lnTo>
+                  <a:lnTo>
+                    <a:pt x="4682278" y="3587244"/>
+                  </a:lnTo>
+                  <a:lnTo>
+                    <a:pt x="4718819" y="3511600"/>
+                  </a:lnTo>
+                  <a:lnTo>
+                    <a:pt x="4752771" y="3434758"/>
+                  </a:lnTo>
+                  <a:lnTo>
+                    <a:pt x="4784094" y="3356809"/>
+                  </a:lnTo>
+                  <a:lnTo>
+                    <a:pt x="4812752" y="3277840"/>
+                  </a:lnTo>
+                  <a:lnTo>
+                    <a:pt x="4838712" y="3197944"/>
+                  </a:lnTo>
+                  <a:lnTo>
+                    <a:pt x="4861943" y="3117212"/>
+                  </a:lnTo>
+                  <a:lnTo>
+                    <a:pt x="4882421" y="3035739"/>
+                  </a:lnTo>
+                  <a:lnTo>
+                    <a:pt x="4900119" y="2953616"/>
+                  </a:lnTo>
+                  <a:lnTo>
+                    <a:pt x="4915019" y="2870941"/>
+                  </a:lnTo>
+                  <a:lnTo>
+                    <a:pt x="4927103" y="2787806"/>
+                  </a:lnTo>
+                  <a:lnTo>
+                    <a:pt x="4936357" y="2704310"/>
+                  </a:lnTo>
+                  <a:lnTo>
+                    <a:pt x="4942770" y="2620547"/>
+                  </a:lnTo>
+                  <a:lnTo>
+                    <a:pt x="4946336" y="2536615"/>
+                  </a:lnTo>
+                  <a:lnTo>
+                    <a:pt x="4947049" y="2452611"/>
+                  </a:lnTo>
+                  <a:lnTo>
+                    <a:pt x="4944909" y="2368630"/>
+                  </a:lnTo>
+                  <a:lnTo>
+                    <a:pt x="4939919" y="2284771"/>
+                  </a:lnTo>
+                  <a:lnTo>
+                    <a:pt x="4932084" y="2201129"/>
+                  </a:lnTo>
+                  <a:lnTo>
+                    <a:pt x="4921414" y="2117802"/>
+                  </a:lnTo>
+                  <a:lnTo>
+                    <a:pt x="4907920" y="2034885"/>
+                  </a:lnTo>
+                  <a:lnTo>
+                    <a:pt x="4891619" y="1952474"/>
+                  </a:lnTo>
+                  <a:lnTo>
+                    <a:pt x="4872528" y="1870664"/>
+                  </a:lnTo>
+                  <a:lnTo>
+                    <a:pt x="4850670" y="1789550"/>
+                  </a:lnTo>
+                  <a:lnTo>
+                    <a:pt x="4826071" y="1709225"/>
+                  </a:lnTo>
+                  <a:lnTo>
+                    <a:pt x="4798758" y="1629781"/>
+                  </a:lnTo>
+                  <a:lnTo>
+                    <a:pt x="4768763" y="1551310"/>
+                  </a:lnTo>
+                  <a:lnTo>
+                    <a:pt x="4736122" y="1473904"/>
+                  </a:lnTo>
+                  <a:lnTo>
+                    <a:pt x="4700870" y="1397650"/>
+                  </a:lnTo>
+                  <a:lnTo>
+                    <a:pt x="4663049" y="1322637"/>
+                  </a:lnTo>
+                  <a:lnTo>
+                    <a:pt x="4622703" y="1248952"/>
+                  </a:lnTo>
+                  <a:lnTo>
+                    <a:pt x="4579879" y="1176680"/>
+                  </a:lnTo>
+                  <a:lnTo>
+                    <a:pt x="4534624" y="1105903"/>
+                  </a:lnTo>
+                  <a:lnTo>
+                    <a:pt x="4486993" y="1036704"/>
+                  </a:lnTo>
+                  <a:lnTo>
+                    <a:pt x="4437039" y="969162"/>
+                  </a:lnTo>
+                  <a:lnTo>
+                    <a:pt x="4384821" y="903355"/>
+                  </a:lnTo>
+                  <a:lnTo>
+                    <a:pt x="4330398" y="839359"/>
+                  </a:lnTo>
+                  <a:lnTo>
+                    <a:pt x="4273833" y="777249"/>
+                  </a:lnTo>
+                  <a:lnTo>
+                    <a:pt x="4215192" y="717094"/>
+                  </a:lnTo>
+                  <a:lnTo>
+                    <a:pt x="4154542" y="658966"/>
+                  </a:lnTo>
+                  <a:lnTo>
+                    <a:pt x="4091953" y="602931"/>
+                  </a:lnTo>
+                  <a:lnTo>
+                    <a:pt x="4027498" y="549053"/>
+                  </a:lnTo>
+                  <a:lnTo>
+                    <a:pt x="3961250" y="497396"/>
+                  </a:lnTo>
+                  <a:lnTo>
+                    <a:pt x="3893287" y="448017"/>
+                  </a:lnTo>
+                  <a:lnTo>
+                    <a:pt x="3823685" y="400975"/>
+                  </a:lnTo>
+                  <a:lnTo>
+                    <a:pt x="3752527" y="356323"/>
+                  </a:lnTo>
+                  <a:lnTo>
+                    <a:pt x="3679893" y="314114"/>
+                  </a:lnTo>
+                  <a:lnTo>
+                    <a:pt x="3605868" y="274395"/>
+                  </a:lnTo>
+                  <a:lnTo>
+                    <a:pt x="3530537" y="237212"/>
+                  </a:lnTo>
+                  <a:lnTo>
+                    <a:pt x="3453987" y="202609"/>
+                  </a:lnTo>
+                  <a:lnTo>
+                    <a:pt x="3376306" y="170626"/>
+                  </a:lnTo>
+                  <a:lnTo>
+                    <a:pt x="3297584" y="141299"/>
+                  </a:lnTo>
+                  <a:lnTo>
+                    <a:pt x="3217911" y="114661"/>
+                  </a:lnTo>
+                  <a:lnTo>
+                    <a:pt x="3137379" y="90745"/>
+                  </a:lnTo>
+                  <a:lnTo>
+                    <a:pt x="3056082" y="69577"/>
+                  </a:lnTo>
+                  <a:lnTo>
+                    <a:pt x="2974113" y="51182"/>
+                  </a:lnTo>
+                  <a:lnTo>
+                    <a:pt x="2891567" y="35580"/>
+                  </a:lnTo>
+                  <a:lnTo>
+                    <a:pt x="2808539" y="22791"/>
+                  </a:lnTo>
+                  <a:lnTo>
+                    <a:pt x="2725124" y="12828"/>
+                  </a:lnTo>
+                  <a:lnTo>
+                    <a:pt x="2641419" y="5704"/>
+                  </a:lnTo>
+                  <a:lnTo>
+                    <a:pt x="2557520" y="1426"/>
+                  </a:lnTo>
+                  <a:lnTo>
+                    <a:pt x="2473524" y="0"/>
+                  </a:lnTo>
+                  <a:lnTo>
+                    <a:pt x="2473524" y="85297"/>
+                  </a:lnTo>
+                  <a:lnTo>
+                    <a:pt x="2473524" y="170594"/>
+                  </a:lnTo>
+                  <a:lnTo>
+                    <a:pt x="2473524" y="255891"/>
+                  </a:lnTo>
+                  <a:lnTo>
+                    <a:pt x="2473524" y="341188"/>
+                  </a:lnTo>
+                  <a:lnTo>
+                    <a:pt x="2473524" y="426485"/>
+                  </a:lnTo>
+                  <a:lnTo>
+                    <a:pt x="2473524" y="511782"/>
+                  </a:lnTo>
+                  <a:lnTo>
+                    <a:pt x="2473524" y="597079"/>
+                  </a:lnTo>
+                  <a:lnTo>
+                    <a:pt x="2473524" y="682376"/>
+                  </a:lnTo>
+                  <a:lnTo>
+                    <a:pt x="2473524" y="767673"/>
+                  </a:lnTo>
+                  <a:lnTo>
+                    <a:pt x="2473524" y="852970"/>
+                  </a:lnTo>
+                  <a:lnTo>
+                    <a:pt x="2473524" y="938267"/>
+                  </a:lnTo>
+                  <a:lnTo>
+                    <a:pt x="2473524" y="1023564"/>
+                  </a:lnTo>
+                  <a:lnTo>
+                    <a:pt x="2473524" y="1108861"/>
+                  </a:lnTo>
+                  <a:lnTo>
+                    <a:pt x="2473524" y="1194158"/>
+                  </a:lnTo>
+                  <a:lnTo>
+                    <a:pt x="2473524" y="1279455"/>
+                  </a:lnTo>
+                  <a:lnTo>
+                    <a:pt x="2473524" y="1364752"/>
+                  </a:lnTo>
+                  <a:lnTo>
+                    <a:pt x="2473524" y="1450049"/>
+                  </a:lnTo>
+                  <a:lnTo>
+                    <a:pt x="2473524" y="1535346"/>
+                  </a:lnTo>
+                  <a:lnTo>
+                    <a:pt x="2473524" y="1620643"/>
+                  </a:lnTo>
+                  <a:lnTo>
+                    <a:pt x="2473524" y="1705940"/>
+                  </a:lnTo>
+                  <a:lnTo>
+                    <a:pt x="2473524" y="1791237"/>
+                  </a:lnTo>
+                  <a:lnTo>
+                    <a:pt x="2473524" y="1876534"/>
+                  </a:lnTo>
+                  <a:lnTo>
+                    <a:pt x="2473524" y="1961831"/>
+                  </a:lnTo>
+                  <a:lnTo>
+                    <a:pt x="2473524" y="2047128"/>
+                  </a:lnTo>
+                  <a:lnTo>
+                    <a:pt x="2473524" y="2132425"/>
+                  </a:lnTo>
+                  <a:lnTo>
+                    <a:pt x="2473524" y="2217722"/>
+                  </a:lnTo>
+                  <a:lnTo>
+                    <a:pt x="2473524" y="2303019"/>
+                  </a:lnTo>
+                  <a:lnTo>
+                    <a:pt x="2473524" y="2388316"/>
                   </a:lnTo>
                   <a:close/>
                 </a:path>
@@ -3055,233 +3061,13 @@
         </p:sp>
         <p:sp>
           <p:nvSpPr>
-            <p:cNvPr id="6" name="pg5"/>
+            <p:cNvPr id="6" name="tx5"/>
             <p:cNvSpPr/>
             <p:nvPr/>
           </p:nvSpPr>
           <p:spPr>
             <a:xfrm>
-              <a:off x="5307909" y="1749568"/>
-              <a:ext cx="178490" cy="2473613"/>
-            </a:xfrm>
-            <a:custGeom>
-              <a:avLst/>
-              <a:pathLst>
-                <a:path w="178490" h="2473613">
-                  <a:moveTo>
-                    <a:pt x="178490" y="2473613"/>
-                  </a:moveTo>
-                  <a:lnTo>
-                    <a:pt x="178490" y="2388316"/>
-                  </a:lnTo>
-                  <a:lnTo>
-                    <a:pt x="178490" y="2303019"/>
-                  </a:lnTo>
-                  <a:lnTo>
-                    <a:pt x="178490" y="2217722"/>
-                  </a:lnTo>
-                  <a:lnTo>
-                    <a:pt x="178490" y="2132425"/>
-                  </a:lnTo>
-                  <a:lnTo>
-                    <a:pt x="178490" y="2047128"/>
-                  </a:lnTo>
-                  <a:lnTo>
-                    <a:pt x="178490" y="1961831"/>
-                  </a:lnTo>
-                  <a:lnTo>
-                    <a:pt x="178490" y="1876534"/>
-                  </a:lnTo>
-                  <a:lnTo>
-                    <a:pt x="178490" y="1791237"/>
-                  </a:lnTo>
-                  <a:lnTo>
-                    <a:pt x="178490" y="1705940"/>
-                  </a:lnTo>
-                  <a:lnTo>
-                    <a:pt x="178490" y="1620643"/>
-                  </a:lnTo>
-                  <a:lnTo>
-                    <a:pt x="178490" y="1535346"/>
-                  </a:lnTo>
-                  <a:lnTo>
-                    <a:pt x="178490" y="1450049"/>
-                  </a:lnTo>
-                  <a:lnTo>
-                    <a:pt x="178490" y="1364752"/>
-                  </a:lnTo>
-                  <a:lnTo>
-                    <a:pt x="178490" y="1279455"/>
-                  </a:lnTo>
-                  <a:lnTo>
-                    <a:pt x="178490" y="1194158"/>
-                  </a:lnTo>
-                  <a:lnTo>
-                    <a:pt x="178490" y="1108861"/>
-                  </a:lnTo>
-                  <a:lnTo>
-                    <a:pt x="178490" y="1023564"/>
-                  </a:lnTo>
-                  <a:lnTo>
-                    <a:pt x="178490" y="938267"/>
-                  </a:lnTo>
-                  <a:lnTo>
-                    <a:pt x="178490" y="852970"/>
-                  </a:lnTo>
-                  <a:lnTo>
-                    <a:pt x="178490" y="767673"/>
-                  </a:lnTo>
-                  <a:lnTo>
-                    <a:pt x="178490" y="682376"/>
-                  </a:lnTo>
-                  <a:lnTo>
-                    <a:pt x="178490" y="597079"/>
-                  </a:lnTo>
-                  <a:lnTo>
-                    <a:pt x="178490" y="511782"/>
-                  </a:lnTo>
-                  <a:lnTo>
-                    <a:pt x="178490" y="426485"/>
-                  </a:lnTo>
-                  <a:lnTo>
-                    <a:pt x="178490" y="341188"/>
-                  </a:lnTo>
-                  <a:lnTo>
-                    <a:pt x="178490" y="255891"/>
-                  </a:lnTo>
-                  <a:lnTo>
-                    <a:pt x="178490" y="170594"/>
-                  </a:lnTo>
-                  <a:lnTo>
-                    <a:pt x="178490" y="85297"/>
-                  </a:lnTo>
-                  <a:lnTo>
-                    <a:pt x="178490" y="0"/>
-                  </a:lnTo>
-                  <a:lnTo>
-                    <a:pt x="89186" y="1612"/>
-                  </a:lnTo>
-                  <a:lnTo>
-                    <a:pt x="0" y="6448"/>
-                  </a:lnTo>
-                  <a:lnTo>
-                    <a:pt x="6154" y="91522"/>
-                  </a:lnTo>
-                  <a:lnTo>
-                    <a:pt x="12309" y="176597"/>
-                  </a:lnTo>
-                  <a:lnTo>
-                    <a:pt x="18464" y="261672"/>
-                  </a:lnTo>
-                  <a:lnTo>
-                    <a:pt x="24619" y="346746"/>
-                  </a:lnTo>
-                  <a:lnTo>
-                    <a:pt x="30774" y="431821"/>
-                  </a:lnTo>
-                  <a:lnTo>
-                    <a:pt x="36929" y="516896"/>
-                  </a:lnTo>
-                  <a:lnTo>
-                    <a:pt x="43083" y="601970"/>
-                  </a:lnTo>
-                  <a:lnTo>
-                    <a:pt x="49238" y="687045"/>
-                  </a:lnTo>
-                  <a:lnTo>
-                    <a:pt x="55393" y="772120"/>
-                  </a:lnTo>
-                  <a:lnTo>
-                    <a:pt x="61548" y="857194"/>
-                  </a:lnTo>
-                  <a:lnTo>
-                    <a:pt x="67703" y="942269"/>
-                  </a:lnTo>
-                  <a:lnTo>
-                    <a:pt x="73858" y="1027344"/>
-                  </a:lnTo>
-                  <a:lnTo>
-                    <a:pt x="80012" y="1112419"/>
-                  </a:lnTo>
-                  <a:lnTo>
-                    <a:pt x="86167" y="1197493"/>
-                  </a:lnTo>
-                  <a:lnTo>
-                    <a:pt x="92322" y="1282568"/>
-                  </a:lnTo>
-                  <a:lnTo>
-                    <a:pt x="98477" y="1367643"/>
-                  </a:lnTo>
-                  <a:lnTo>
-                    <a:pt x="104632" y="1452717"/>
-                  </a:lnTo>
-                  <a:lnTo>
-                    <a:pt x="110787" y="1537792"/>
-                  </a:lnTo>
-                  <a:lnTo>
-                    <a:pt x="116942" y="1622867"/>
-                  </a:lnTo>
-                  <a:lnTo>
-                    <a:pt x="123096" y="1707941"/>
-                  </a:lnTo>
-                  <a:lnTo>
-                    <a:pt x="129251" y="1793016"/>
-                  </a:lnTo>
-                  <a:lnTo>
-                    <a:pt x="135406" y="1878091"/>
-                  </a:lnTo>
-                  <a:lnTo>
-                    <a:pt x="141561" y="1963165"/>
-                  </a:lnTo>
-                  <a:lnTo>
-                    <a:pt x="147716" y="2048240"/>
-                  </a:lnTo>
-                  <a:lnTo>
-                    <a:pt x="153871" y="2133315"/>
-                  </a:lnTo>
-                  <a:lnTo>
-                    <a:pt x="160025" y="2218389"/>
-                  </a:lnTo>
-                  <a:lnTo>
-                    <a:pt x="166180" y="2303464"/>
-                  </a:lnTo>
-                  <a:lnTo>
-                    <a:pt x="172335" y="2388539"/>
-                  </a:lnTo>
-                  <a:close/>
-                </a:path>
-              </a:pathLst>
-            </a:custGeom>
-            <a:solidFill>
-              <a:srgbClr val="819595">
-                <a:alpha val="100000"/>
-              </a:srgbClr>
-            </a:solidFill>
-            <a:ln w="13550" cap="flat">
-              <a:solidFill>
-                <a:srgbClr val="000000">
-                  <a:alpha val="100000"/>
-                </a:srgbClr>
-              </a:solidFill>
-              <a:prstDash val="solid"/>
-              <a:miter/>
-            </a:ln>
-          </p:spPr>
-          <p:txBody>
-            <a:bodyPr/>
-            <a:lstStyle/>
-            <a:p/>
-          </p:txBody>
-        </p:sp>
-        <p:sp>
-          <p:nvSpPr>
-            <p:cNvPr id="7" name="tx6"/>
-            <p:cNvSpPr/>
-            <p:nvPr/>
-          </p:nvSpPr>
-          <p:spPr>
-            <a:xfrm>
-              <a:off x="4880515" y="5177101"/>
+              <a:off x="4835864" y="5177907"/>
               <a:ext cx="1301071" cy="203576"/>
             </a:xfrm>
             <a:prstGeom prst="rect">
@@ -3321,14 +3107,14 @@
         </p:sp>
         <p:sp>
           <p:nvSpPr>
-            <p:cNvPr id="8" name="tx7"/>
+            <p:cNvPr id="7" name="tx6"/>
             <p:cNvSpPr/>
             <p:nvPr/>
           </p:nvSpPr>
           <p:spPr>
             <a:xfrm>
-              <a:off x="5380353" y="5534406"/>
-              <a:ext cx="301395" cy="158478"/>
+              <a:off x="5148904" y="5530130"/>
+              <a:ext cx="674990" cy="163560"/>
             </a:xfrm>
             <a:prstGeom prst="rect">
               <a:avLst/>
@@ -3360,106 +3146,14 @@
                   <a:latin typeface="Arial"/>
                   <a:cs typeface="Arial"/>
                 </a:rPr>
-                <a:t> 86</a:t>
+                <a:t> 100 %</a:t>
               </a:r>
             </a:p>
           </p:txBody>
         </p:sp>
         <p:sp>
           <p:nvSpPr>
-            <p:cNvPr id="9" name="tx8"/>
-            <p:cNvSpPr/>
-            <p:nvPr/>
-          </p:nvSpPr>
-          <p:spPr>
-            <a:xfrm>
-              <a:off x="4935822" y="2748081"/>
-              <a:ext cx="1011850" cy="160596"/>
-            </a:xfrm>
-            <a:prstGeom prst="rect">
-              <a:avLst/>
-            </a:prstGeom>
-            <a:noFill/>
-          </p:spPr>
-          <p:txBody>
-            <a:bodyPr lIns="0" rIns="0" tIns="0" bIns="0" anchorCtr="1" anchor="ctr" wrap="none"/>
-            <a:lstStyle/>
-            <a:p>
-              <a:pPr algn="l" marL="0" marR="0" indent="0">
-                <a:lnSpc>
-                  <a:spcPts val="1707"/>
-                </a:lnSpc>
-                <a:spcBef>
-                  <a:spcPts val="0"/>
-                </a:spcBef>
-                <a:spcAft>
-                  <a:spcPts val="0"/>
-                </a:spcAft>
-              </a:pPr>
-              <a:r>
-                <a:rPr sz="1707">
-                  <a:solidFill>
-                    <a:srgbClr val="000000">
-                      <a:alpha val="100000"/>
-                    </a:srgbClr>
-                  </a:solidFill>
-                  <a:latin typeface="Arial"/>
-                  <a:cs typeface="Arial"/>
-                </a:rPr>
-                <a:t>No TORC </a:t>
-              </a:r>
-            </a:p>
-          </p:txBody>
-        </p:sp>
-        <p:sp>
-          <p:nvSpPr>
-            <p:cNvPr id="10" name="tx9"/>
-            <p:cNvSpPr/>
-            <p:nvPr/>
-          </p:nvSpPr>
-          <p:spPr>
-            <a:xfrm>
-              <a:off x="5351340" y="3065051"/>
-              <a:ext cx="180816" cy="155832"/>
-            </a:xfrm>
-            <a:prstGeom prst="rect">
-              <a:avLst/>
-            </a:prstGeom>
-            <a:noFill/>
-          </p:spPr>
-          <p:txBody>
-            <a:bodyPr lIns="0" rIns="0" tIns="0" bIns="0" anchorCtr="1" anchor="ctr" wrap="none"/>
-            <a:lstStyle/>
-            <a:p>
-              <a:pPr algn="l" marL="0" marR="0" indent="0">
-                <a:lnSpc>
-                  <a:spcPts val="1707"/>
-                </a:lnSpc>
-                <a:spcBef>
-                  <a:spcPts val="0"/>
-                </a:spcBef>
-                <a:spcAft>
-                  <a:spcPts val="0"/>
-                </a:spcAft>
-              </a:pPr>
-              <a:r>
-                <a:rPr sz="1707">
-                  <a:solidFill>
-                    <a:srgbClr val="000000">
-                      <a:alpha val="100000"/>
-                    </a:srgbClr>
-                  </a:solidFill>
-                  <a:latin typeface="Arial"/>
-                  <a:cs typeface="Arial"/>
-                </a:rPr>
-                <a:t> 1</a:t>
-              </a:r>
-            </a:p>
-          </p:txBody>
-        </p:sp>
-        <p:sp>
-          <p:nvSpPr>
-            <p:cNvPr id="11" name="tx10"/>
+            <p:cNvPr id="8" name="tx7"/>
             <p:cNvSpPr/>
             <p:nvPr/>
           </p:nvSpPr>

--- a/Images/Figures_PPT/ComponentsChlorophytaPieChart.pptx
+++ b/Images/Figures_PPT/ComponentsChlorophytaPieChart.pptx
@@ -5,7 +5,7 @@
     <p:sldMasterId id="2147483648" r:id="rId1"/>
   </p:sldMasterIdLst>
   <p:sldIdLst>
-    <p:sldId id="256" r:id="rId8"/>
+    <p:sldId id="256" r:id="rId2"/>
   </p:sldIdLst>
   <p:sldSz cx="9144000" cy="6858000" type="screen4x3"/>
   <p:notesSz cx="6858000" cy="9144000"/>
@@ -107,6 +107,22 @@
       </a:defRPr>
     </a:lvl9pPr>
   </p:defaultTextStyle>
+  <p:extLst>
+    <p:ext uri="{EFAFB233-063F-42B5-8137-9DF3F51BA10A}">
+      <p15:sldGuideLst xmlns:p15="http://schemas.microsoft.com/office/powerpoint/2012/main">
+        <p15:guide id="1" orient="horz" pos="2160">
+          <p15:clr>
+            <a:srgbClr val="A4A3A4"/>
+          </p15:clr>
+        </p15:guide>
+        <p15:guide id="2" pos="2880">
+          <p15:clr>
+            <a:srgbClr val="A4A3A4"/>
+          </p15:clr>
+        </p15:guide>
+      </p15:sldGuideLst>
+    </p:ext>
+  </p:extLst>
 </p:presentation>
 </file>
 
@@ -148,7 +164,7 @@
           <a:lstStyle/>
           <a:p>
             <a:r>
-              <a:rPr lang="en-US" smtClean="0"/>
+              <a:rPr lang="en-US"/>
               <a:t>Click to edit Master title style</a:t>
             </a:r>
             <a:endParaRPr lang="en-GB"/>
@@ -267,7 +283,7 @@
           </a:lstStyle>
           <a:p>
             <a:r>
-              <a:rPr lang="en-US" smtClean="0"/>
+              <a:rPr lang="en-US"/>
               <a:t>Click to edit Master subtitle style</a:t>
             </a:r>
             <a:endParaRPr lang="en-GB"/>
@@ -291,7 +307,7 @@
           <a:p>
             <a:fld id="{E6744CE3-0875-4B69-89C0-6F72D8139561}" type="datetimeFigureOut">
               <a:rPr lang="en-GB" smtClean="0"/>
-              <a:t>26/05/17</a:t>
+              <a:t>22/05/2025</a:t>
             </a:fld>
             <a:endParaRPr lang="en-GB"/>
           </a:p>
@@ -385,7 +401,7 @@
           <a:lstStyle/>
           <a:p>
             <a:r>
-              <a:rPr lang="en-US" smtClean="0"/>
+              <a:rPr lang="en-US"/>
               <a:t>Click to edit Master title style</a:t>
             </a:r>
             <a:endParaRPr lang="en-GB"/>
@@ -409,35 +425,35 @@
           <a:p>
             <a:pPr lvl="0"/>
             <a:r>
-              <a:rPr lang="en-US" smtClean="0"/>
+              <a:rPr lang="en-US"/>
               <a:t>Click to edit Master text styles</a:t>
             </a:r>
           </a:p>
           <a:p>
             <a:pPr lvl="1"/>
             <a:r>
-              <a:rPr lang="en-US" smtClean="0"/>
+              <a:rPr lang="en-US"/>
               <a:t>Second level</a:t>
             </a:r>
           </a:p>
           <a:p>
             <a:pPr lvl="2"/>
             <a:r>
-              <a:rPr lang="en-US" smtClean="0"/>
+              <a:rPr lang="en-US"/>
               <a:t>Third level</a:t>
             </a:r>
           </a:p>
           <a:p>
             <a:pPr lvl="3"/>
             <a:r>
-              <a:rPr lang="en-US" smtClean="0"/>
+              <a:rPr lang="en-US"/>
               <a:t>Fourth level</a:t>
             </a:r>
           </a:p>
           <a:p>
             <a:pPr lvl="4"/>
             <a:r>
-              <a:rPr lang="en-US" smtClean="0"/>
+              <a:rPr lang="en-US"/>
               <a:t>Fifth level</a:t>
             </a:r>
             <a:endParaRPr lang="en-GB"/>
@@ -461,7 +477,7 @@
           <a:p>
             <a:fld id="{E6744CE3-0875-4B69-89C0-6F72D8139561}" type="datetimeFigureOut">
               <a:rPr lang="en-GB" smtClean="0"/>
-              <a:t>26/05/17</a:t>
+              <a:t>22/05/2025</a:t>
             </a:fld>
             <a:endParaRPr lang="en-GB"/>
           </a:p>
@@ -564,7 +580,7 @@
           </a:lstStyle>
           <a:p>
             <a:r>
-              <a:rPr lang="en-US" smtClean="0"/>
+              <a:rPr lang="en-US"/>
               <a:t>Click to edit Master title style</a:t>
             </a:r>
             <a:endParaRPr lang="en-GB"/>
@@ -684,7 +700,7 @@
           <a:p>
             <a:pPr lvl="0"/>
             <a:r>
-              <a:rPr lang="en-US" smtClean="0"/>
+              <a:rPr lang="en-US"/>
               <a:t>Click to edit Master text styles</a:t>
             </a:r>
           </a:p>
@@ -707,7 +723,7 @@
           <a:p>
             <a:fld id="{E6744CE3-0875-4B69-89C0-6F72D8139561}" type="datetimeFigureOut">
               <a:rPr lang="en-GB" smtClean="0"/>
-              <a:t>26/05/17</a:t>
+              <a:t>22/05/2025</a:t>
             </a:fld>
             <a:endParaRPr lang="en-GB"/>
           </a:p>
@@ -801,7 +817,7 @@
           <a:lstStyle/>
           <a:p>
             <a:r>
-              <a:rPr lang="en-US" smtClean="0"/>
+              <a:rPr lang="en-US"/>
               <a:t>Click to edit Master title style</a:t>
             </a:r>
             <a:endParaRPr lang="en-GB"/>
@@ -858,35 +874,35 @@
           <a:p>
             <a:pPr lvl="0"/>
             <a:r>
-              <a:rPr lang="en-US" smtClean="0"/>
+              <a:rPr lang="en-US"/>
               <a:t>Click to edit Master text styles</a:t>
             </a:r>
           </a:p>
           <a:p>
             <a:pPr lvl="1"/>
             <a:r>
-              <a:rPr lang="en-US" smtClean="0"/>
+              <a:rPr lang="en-US"/>
               <a:t>Second level</a:t>
             </a:r>
           </a:p>
           <a:p>
             <a:pPr lvl="2"/>
             <a:r>
-              <a:rPr lang="en-US" smtClean="0"/>
+              <a:rPr lang="en-US"/>
               <a:t>Third level</a:t>
             </a:r>
           </a:p>
           <a:p>
             <a:pPr lvl="3"/>
             <a:r>
-              <a:rPr lang="en-US" smtClean="0"/>
+              <a:rPr lang="en-US"/>
               <a:t>Fourth level</a:t>
             </a:r>
           </a:p>
           <a:p>
             <a:pPr lvl="4"/>
             <a:r>
-              <a:rPr lang="en-US" smtClean="0"/>
+              <a:rPr lang="en-US"/>
               <a:t>Fifth level</a:t>
             </a:r>
             <a:endParaRPr lang="en-GB"/>
@@ -943,35 +959,35 @@
           <a:p>
             <a:pPr lvl="0"/>
             <a:r>
-              <a:rPr lang="en-US" smtClean="0"/>
+              <a:rPr lang="en-US"/>
               <a:t>Click to edit Master text styles</a:t>
             </a:r>
           </a:p>
           <a:p>
             <a:pPr lvl="1"/>
             <a:r>
-              <a:rPr lang="en-US" smtClean="0"/>
+              <a:rPr lang="en-US"/>
               <a:t>Second level</a:t>
             </a:r>
           </a:p>
           <a:p>
             <a:pPr lvl="2"/>
             <a:r>
-              <a:rPr lang="en-US" smtClean="0"/>
+              <a:rPr lang="en-US"/>
               <a:t>Third level</a:t>
             </a:r>
           </a:p>
           <a:p>
             <a:pPr lvl="3"/>
             <a:r>
-              <a:rPr lang="en-US" smtClean="0"/>
+              <a:rPr lang="en-US"/>
               <a:t>Fourth level</a:t>
             </a:r>
           </a:p>
           <a:p>
             <a:pPr lvl="4"/>
             <a:r>
-              <a:rPr lang="en-US" smtClean="0"/>
+              <a:rPr lang="en-US"/>
               <a:t>Fifth level</a:t>
             </a:r>
             <a:endParaRPr lang="en-GB"/>
@@ -995,7 +1011,7 @@
           <a:p>
             <a:fld id="{E6744CE3-0875-4B69-89C0-6F72D8139561}" type="datetimeFigureOut">
               <a:rPr lang="en-GB" smtClean="0"/>
-              <a:t>26/05/17</a:t>
+              <a:t>22/05/2025</a:t>
             </a:fld>
             <a:endParaRPr lang="en-GB"/>
           </a:p>
@@ -1093,7 +1109,7 @@
           </a:lstStyle>
           <a:p>
             <a:r>
-              <a:rPr lang="en-US" smtClean="0"/>
+              <a:rPr lang="en-US"/>
               <a:t>Click to edit Master title style</a:t>
             </a:r>
             <a:endParaRPr lang="en-GB"/>
@@ -1159,7 +1175,7 @@
           <a:p>
             <a:pPr lvl="0"/>
             <a:r>
-              <a:rPr lang="en-US" smtClean="0"/>
+              <a:rPr lang="en-US"/>
               <a:t>Click to edit Master text styles</a:t>
             </a:r>
           </a:p>
@@ -1215,35 +1231,35 @@
           <a:p>
             <a:pPr lvl="0"/>
             <a:r>
-              <a:rPr lang="en-US" smtClean="0"/>
+              <a:rPr lang="en-US"/>
               <a:t>Click to edit Master text styles</a:t>
             </a:r>
           </a:p>
           <a:p>
             <a:pPr lvl="1"/>
             <a:r>
-              <a:rPr lang="en-US" smtClean="0"/>
+              <a:rPr lang="en-US"/>
               <a:t>Second level</a:t>
             </a:r>
           </a:p>
           <a:p>
             <a:pPr lvl="2"/>
             <a:r>
-              <a:rPr lang="en-US" smtClean="0"/>
+              <a:rPr lang="en-US"/>
               <a:t>Third level</a:t>
             </a:r>
           </a:p>
           <a:p>
             <a:pPr lvl="3"/>
             <a:r>
-              <a:rPr lang="en-US" smtClean="0"/>
+              <a:rPr lang="en-US"/>
               <a:t>Fourth level</a:t>
             </a:r>
           </a:p>
           <a:p>
             <a:pPr lvl="4"/>
             <a:r>
-              <a:rPr lang="en-US" smtClean="0"/>
+              <a:rPr lang="en-US"/>
               <a:t>Fifth level</a:t>
             </a:r>
             <a:endParaRPr lang="en-GB"/>
@@ -1309,7 +1325,7 @@
           <a:p>
             <a:pPr lvl="0"/>
             <a:r>
-              <a:rPr lang="en-US" smtClean="0"/>
+              <a:rPr lang="en-US"/>
               <a:t>Click to edit Master text styles</a:t>
             </a:r>
           </a:p>
@@ -1365,35 +1381,35 @@
           <a:p>
             <a:pPr lvl="0"/>
             <a:r>
-              <a:rPr lang="en-US" smtClean="0"/>
+              <a:rPr lang="en-US"/>
               <a:t>Click to edit Master text styles</a:t>
             </a:r>
           </a:p>
           <a:p>
             <a:pPr lvl="1"/>
             <a:r>
-              <a:rPr lang="en-US" smtClean="0"/>
+              <a:rPr lang="en-US"/>
               <a:t>Second level</a:t>
             </a:r>
           </a:p>
           <a:p>
             <a:pPr lvl="2"/>
             <a:r>
-              <a:rPr lang="en-US" smtClean="0"/>
+              <a:rPr lang="en-US"/>
               <a:t>Third level</a:t>
             </a:r>
           </a:p>
           <a:p>
             <a:pPr lvl="3"/>
             <a:r>
-              <a:rPr lang="en-US" smtClean="0"/>
+              <a:rPr lang="en-US"/>
               <a:t>Fourth level</a:t>
             </a:r>
           </a:p>
           <a:p>
             <a:pPr lvl="4"/>
             <a:r>
-              <a:rPr lang="en-US" smtClean="0"/>
+              <a:rPr lang="en-US"/>
               <a:t>Fifth level</a:t>
             </a:r>
             <a:endParaRPr lang="en-GB"/>
@@ -1417,7 +1433,7 @@
           <a:p>
             <a:fld id="{E6744CE3-0875-4B69-89C0-6F72D8139561}" type="datetimeFigureOut">
               <a:rPr lang="en-GB" smtClean="0"/>
-              <a:t>26/05/17</a:t>
+              <a:t>22/05/2025</a:t>
             </a:fld>
             <a:endParaRPr lang="en-GB"/>
           </a:p>
@@ -1511,7 +1527,7 @@
           <a:lstStyle/>
           <a:p>
             <a:r>
-              <a:rPr lang="en-US" smtClean="0"/>
+              <a:rPr lang="en-US"/>
               <a:t>Click to edit Master title style</a:t>
             </a:r>
             <a:endParaRPr lang="en-GB"/>
@@ -1535,7 +1551,7 @@
           <a:p>
             <a:fld id="{E6744CE3-0875-4B69-89C0-6F72D8139561}" type="datetimeFigureOut">
               <a:rPr lang="en-GB" smtClean="0"/>
-              <a:t>26/05/17</a:t>
+              <a:t>22/05/2025</a:t>
             </a:fld>
             <a:endParaRPr lang="en-GB"/>
           </a:p>
@@ -1630,7 +1646,7 @@
           <a:p>
             <a:fld id="{E6744CE3-0875-4B69-89C0-6F72D8139561}" type="datetimeFigureOut">
               <a:rPr lang="en-GB" smtClean="0"/>
-              <a:t>26/05/17</a:t>
+              <a:t>22/05/2025</a:t>
             </a:fld>
             <a:endParaRPr lang="en-GB"/>
           </a:p>
@@ -1739,7 +1755,7 @@
           <a:lstStyle/>
           <a:p>
             <a:r>
-              <a:rPr lang="en-US" smtClean="0"/>
+              <a:rPr lang="en-US"/>
               <a:t>Click to edit Master title style</a:t>
             </a:r>
             <a:endParaRPr lang="en-GB"/>
@@ -1773,35 +1789,35 @@
           <a:p>
             <a:pPr lvl="0"/>
             <a:r>
-              <a:rPr lang="en-US" smtClean="0"/>
+              <a:rPr lang="en-US"/>
               <a:t>Click to edit Master text styles</a:t>
             </a:r>
           </a:p>
           <a:p>
             <a:pPr lvl="1"/>
             <a:r>
-              <a:rPr lang="en-US" smtClean="0"/>
+              <a:rPr lang="en-US"/>
               <a:t>Second level</a:t>
             </a:r>
           </a:p>
           <a:p>
             <a:pPr lvl="2"/>
             <a:r>
-              <a:rPr lang="en-US" smtClean="0"/>
+              <a:rPr lang="en-US"/>
               <a:t>Third level</a:t>
             </a:r>
           </a:p>
           <a:p>
             <a:pPr lvl="3"/>
             <a:r>
-              <a:rPr lang="en-US" smtClean="0"/>
+              <a:rPr lang="en-US"/>
               <a:t>Fourth level</a:t>
             </a:r>
           </a:p>
           <a:p>
             <a:pPr lvl="4"/>
             <a:r>
-              <a:rPr lang="en-US" smtClean="0"/>
+              <a:rPr lang="en-US"/>
               <a:t>Fifth level</a:t>
             </a:r>
             <a:endParaRPr lang="en-GB"/>
@@ -1843,7 +1859,7 @@
           <a:p>
             <a:fld id="{E6744CE3-0875-4B69-89C0-6F72D8139561}" type="datetimeFigureOut">
               <a:rPr lang="en-GB" smtClean="0"/>
-              <a:t>26/05/17</a:t>
+              <a:t>22/05/2025</a:t>
             </a:fld>
             <a:endParaRPr lang="en-GB"/>
           </a:p>
@@ -2214,42 +2230,15 @@
           <a:chExt cx="0" cy="0"/>
         </a:xfrm>
       </p:grpSpPr>
-      <p:sp>
-        <p:nvSpPr>
-          <p:cNvPr id="2" name="Title 1"/>
-          <p:cNvSpPr>
-            <a:spLocks noGrp="1"/>
-          </p:cNvSpPr>
-          <p:nvPr>
-            <p:ph type="title"/>
-          </p:nvPr>
-        </p:nvSpPr>
-        <p:spPr>
-          <a:xfrm>
-            <a:off x="457200" y="274638"/>
-            <a:ext cx="8229600" cy="1143000"/>
-          </a:xfrm>
-        </p:spPr>
-        <p:txBody>
-          <a:bodyPr/>
-          <a:lstStyle/>
-          <a:p>
-            <a:r>
-              <a:rPr/>
-              <a:t/>
-            </a:r>
-          </a:p>
-        </p:txBody>
-      </p:sp>
-      <p:grpSp xmlns:pic="http://schemas.openxmlformats.org/drawingml/2006/picture">
+      <p:grpSp>
         <p:nvGrpSpPr>
-          <p:cNvPr id="3" name=""/>
+          <p:cNvPr id="3" name="Group 2"/>
           <p:cNvGrpSpPr/>
           <p:nvPr/>
         </p:nvGrpSpPr>
         <p:grpSpPr>
           <a:xfrm>
-            <a:off x="914400" y="914400"/>
+            <a:off x="0" y="0"/>
             <a:ext cx="9144000" cy="6400800"/>
             <a:chOff x="914400" y="914400"/>
             <a:chExt cx="9144000" cy="6400800"/>
@@ -2287,7 +2276,9 @@
           <p:txBody>
             <a:bodyPr/>
             <a:lstStyle/>
-            <a:p/>
+            <a:p>
+              <a:endParaRPr/>
+            </a:p>
           </p:txBody>
         </p:sp>
         <p:sp>
@@ -2301,743 +2292,9 @@
               <a:off x="3012875" y="1749568"/>
               <a:ext cx="4947049" cy="4946871"/>
             </a:xfrm>
-            <a:custGeom>
+            <a:prstGeom prst="ellipse">
               <a:avLst/>
-              <a:pathLst>
-                <a:path w="4947049" h="4946871">
-                  <a:moveTo>
-                    <a:pt x="2473524" y="2473613"/>
-                  </a:moveTo>
-                  <a:lnTo>
-                    <a:pt x="2473524" y="2388316"/>
-                  </a:lnTo>
-                  <a:lnTo>
-                    <a:pt x="2473524" y="2303019"/>
-                  </a:lnTo>
-                  <a:lnTo>
-                    <a:pt x="2473524" y="2217722"/>
-                  </a:lnTo>
-                  <a:lnTo>
-                    <a:pt x="2473524" y="2132425"/>
-                  </a:lnTo>
-                  <a:lnTo>
-                    <a:pt x="2473524" y="2047128"/>
-                  </a:lnTo>
-                  <a:lnTo>
-                    <a:pt x="2473524" y="1961831"/>
-                  </a:lnTo>
-                  <a:lnTo>
-                    <a:pt x="2473524" y="1876534"/>
-                  </a:lnTo>
-                  <a:lnTo>
-                    <a:pt x="2473524" y="1791237"/>
-                  </a:lnTo>
-                  <a:lnTo>
-                    <a:pt x="2473524" y="1705940"/>
-                  </a:lnTo>
-                  <a:lnTo>
-                    <a:pt x="2473524" y="1620643"/>
-                  </a:lnTo>
-                  <a:lnTo>
-                    <a:pt x="2473524" y="1535346"/>
-                  </a:lnTo>
-                  <a:lnTo>
-                    <a:pt x="2473524" y="1450049"/>
-                  </a:lnTo>
-                  <a:lnTo>
-                    <a:pt x="2473524" y="1364752"/>
-                  </a:lnTo>
-                  <a:lnTo>
-                    <a:pt x="2473524" y="1279455"/>
-                  </a:lnTo>
-                  <a:lnTo>
-                    <a:pt x="2473524" y="1194158"/>
-                  </a:lnTo>
-                  <a:lnTo>
-                    <a:pt x="2473524" y="1108861"/>
-                  </a:lnTo>
-                  <a:lnTo>
-                    <a:pt x="2473524" y="1023564"/>
-                  </a:lnTo>
-                  <a:lnTo>
-                    <a:pt x="2473524" y="938267"/>
-                  </a:lnTo>
-                  <a:lnTo>
-                    <a:pt x="2473524" y="852970"/>
-                  </a:lnTo>
-                  <a:lnTo>
-                    <a:pt x="2473524" y="767673"/>
-                  </a:lnTo>
-                  <a:lnTo>
-                    <a:pt x="2473524" y="682376"/>
-                  </a:lnTo>
-                  <a:lnTo>
-                    <a:pt x="2473524" y="597079"/>
-                  </a:lnTo>
-                  <a:lnTo>
-                    <a:pt x="2473524" y="511782"/>
-                  </a:lnTo>
-                  <a:lnTo>
-                    <a:pt x="2473524" y="426485"/>
-                  </a:lnTo>
-                  <a:lnTo>
-                    <a:pt x="2473524" y="341188"/>
-                  </a:lnTo>
-                  <a:lnTo>
-                    <a:pt x="2473524" y="255891"/>
-                  </a:lnTo>
-                  <a:lnTo>
-                    <a:pt x="2473524" y="170594"/>
-                  </a:lnTo>
-                  <a:lnTo>
-                    <a:pt x="2473524" y="85297"/>
-                  </a:lnTo>
-                  <a:lnTo>
-                    <a:pt x="2473524" y="0"/>
-                  </a:lnTo>
-                  <a:lnTo>
-                    <a:pt x="2389529" y="1426"/>
-                  </a:lnTo>
-                  <a:lnTo>
-                    <a:pt x="2305630" y="5704"/>
-                  </a:lnTo>
-                  <a:lnTo>
-                    <a:pt x="2221925" y="12828"/>
-                  </a:lnTo>
-                  <a:lnTo>
-                    <a:pt x="2138510" y="22791"/>
-                  </a:lnTo>
-                  <a:lnTo>
-                    <a:pt x="2055481" y="35580"/>
-                  </a:lnTo>
-                  <a:lnTo>
-                    <a:pt x="1972935" y="51182"/>
-                  </a:lnTo>
-                  <a:lnTo>
-                    <a:pt x="1890966" y="69577"/>
-                  </a:lnTo>
-                  <a:lnTo>
-                    <a:pt x="1809669" y="90745"/>
-                  </a:lnTo>
-                  <a:lnTo>
-                    <a:pt x="1729138" y="114661"/>
-                  </a:lnTo>
-                  <a:lnTo>
-                    <a:pt x="1649465" y="141299"/>
-                  </a:lnTo>
-                  <a:lnTo>
-                    <a:pt x="1570743" y="170626"/>
-                  </a:lnTo>
-                  <a:lnTo>
-                    <a:pt x="1493062" y="202609"/>
-                  </a:lnTo>
-                  <a:lnTo>
-                    <a:pt x="1416511" y="237212"/>
-                  </a:lnTo>
-                  <a:lnTo>
-                    <a:pt x="1341180" y="274395"/>
-                  </a:lnTo>
-                  <a:lnTo>
-                    <a:pt x="1267155" y="314114"/>
-                  </a:lnTo>
-                  <a:lnTo>
-                    <a:pt x="1194522" y="356323"/>
-                  </a:lnTo>
-                  <a:lnTo>
-                    <a:pt x="1123363" y="400975"/>
-                  </a:lnTo>
-                  <a:lnTo>
-                    <a:pt x="1053762" y="448017"/>
-                  </a:lnTo>
-                  <a:lnTo>
-                    <a:pt x="985798" y="497396"/>
-                  </a:lnTo>
-                  <a:lnTo>
-                    <a:pt x="919551" y="549053"/>
-                  </a:lnTo>
-                  <a:lnTo>
-                    <a:pt x="855095" y="602931"/>
-                  </a:lnTo>
-                  <a:lnTo>
-                    <a:pt x="792506" y="658966"/>
-                  </a:lnTo>
-                  <a:lnTo>
-                    <a:pt x="731856" y="717094"/>
-                  </a:lnTo>
-                  <a:lnTo>
-                    <a:pt x="673215" y="777249"/>
-                  </a:lnTo>
-                  <a:lnTo>
-                    <a:pt x="616651" y="839359"/>
-                  </a:lnTo>
-                  <a:lnTo>
-                    <a:pt x="562228" y="903355"/>
-                  </a:lnTo>
-                  <a:lnTo>
-                    <a:pt x="510009" y="969162"/>
-                  </a:lnTo>
-                  <a:lnTo>
-                    <a:pt x="460056" y="1036704"/>
-                  </a:lnTo>
-                  <a:lnTo>
-                    <a:pt x="412424" y="1105903"/>
-                  </a:lnTo>
-                  <a:lnTo>
-                    <a:pt x="367170" y="1176680"/>
-                  </a:lnTo>
-                  <a:lnTo>
-                    <a:pt x="324345" y="1248952"/>
-                  </a:lnTo>
-                  <a:lnTo>
-                    <a:pt x="283999" y="1322637"/>
-                  </a:lnTo>
-                  <a:lnTo>
-                    <a:pt x="246179" y="1397650"/>
-                  </a:lnTo>
-                  <a:lnTo>
-                    <a:pt x="210927" y="1473904"/>
-                  </a:lnTo>
-                  <a:lnTo>
-                    <a:pt x="178285" y="1551310"/>
-                  </a:lnTo>
-                  <a:lnTo>
-                    <a:pt x="148290" y="1629781"/>
-                  </a:lnTo>
-                  <a:lnTo>
-                    <a:pt x="120978" y="1709225"/>
-                  </a:lnTo>
-                  <a:lnTo>
-                    <a:pt x="96378" y="1789550"/>
-                  </a:lnTo>
-                  <a:lnTo>
-                    <a:pt x="74521" y="1870664"/>
-                  </a:lnTo>
-                  <a:lnTo>
-                    <a:pt x="55430" y="1952474"/>
-                  </a:lnTo>
-                  <a:lnTo>
-                    <a:pt x="39128" y="2034885"/>
-                  </a:lnTo>
-                  <a:lnTo>
-                    <a:pt x="25635" y="2117802"/>
-                  </a:lnTo>
-                  <a:lnTo>
-                    <a:pt x="14964" y="2201129"/>
-                  </a:lnTo>
-                  <a:lnTo>
-                    <a:pt x="7129" y="2284771"/>
-                  </a:lnTo>
-                  <a:lnTo>
-                    <a:pt x="2139" y="2368630"/>
-                  </a:lnTo>
-                  <a:lnTo>
-                    <a:pt x="0" y="2452611"/>
-                  </a:lnTo>
-                  <a:lnTo>
-                    <a:pt x="713" y="2536615"/>
-                  </a:lnTo>
-                  <a:lnTo>
-                    <a:pt x="4278" y="2620547"/>
-                  </a:lnTo>
-                  <a:lnTo>
-                    <a:pt x="10692" y="2704310"/>
-                  </a:lnTo>
-                  <a:lnTo>
-                    <a:pt x="19946" y="2787806"/>
-                  </a:lnTo>
-                  <a:lnTo>
-                    <a:pt x="32029" y="2870941"/>
-                  </a:lnTo>
-                  <a:lnTo>
-                    <a:pt x="46929" y="2953616"/>
-                  </a:lnTo>
-                  <a:lnTo>
-                    <a:pt x="64628" y="3035739"/>
-                  </a:lnTo>
-                  <a:lnTo>
-                    <a:pt x="85105" y="3117212"/>
-                  </a:lnTo>
-                  <a:lnTo>
-                    <a:pt x="108337" y="3197944"/>
-                  </a:lnTo>
-                  <a:lnTo>
-                    <a:pt x="134297" y="3277840"/>
-                  </a:lnTo>
-                  <a:lnTo>
-                    <a:pt x="162955" y="3356809"/>
-                  </a:lnTo>
-                  <a:lnTo>
-                    <a:pt x="194277" y="3434758"/>
-                  </a:lnTo>
-                  <a:lnTo>
-                    <a:pt x="228229" y="3511600"/>
-                  </a:lnTo>
-                  <a:lnTo>
-                    <a:pt x="264770" y="3587244"/>
-                  </a:lnTo>
-                  <a:lnTo>
-                    <a:pt x="303859" y="3661603"/>
-                  </a:lnTo>
-                  <a:lnTo>
-                    <a:pt x="345451" y="3734593"/>
-                  </a:lnTo>
-                  <a:lnTo>
-                    <a:pt x="389497" y="3806128"/>
-                  </a:lnTo>
-                  <a:lnTo>
-                    <a:pt x="435946" y="3876126"/>
-                  </a:lnTo>
-                  <a:lnTo>
-                    <a:pt x="484746" y="3944506"/>
-                  </a:lnTo>
-                  <a:lnTo>
-                    <a:pt x="535839" y="4011190"/>
-                  </a:lnTo>
-                  <a:lnTo>
-                    <a:pt x="589168" y="4076101"/>
-                  </a:lnTo>
-                  <a:lnTo>
-                    <a:pt x="644669" y="4139163"/>
-                  </a:lnTo>
-                  <a:lnTo>
-                    <a:pt x="702281" y="4200304"/>
-                  </a:lnTo>
-                  <a:lnTo>
-                    <a:pt x="761935" y="4259454"/>
-                  </a:lnTo>
-                  <a:lnTo>
-                    <a:pt x="823563" y="4316544"/>
-                  </a:lnTo>
-                  <a:lnTo>
-                    <a:pt x="887094" y="4371508"/>
-                  </a:lnTo>
-                  <a:lnTo>
-                    <a:pt x="952455" y="4424284"/>
-                  </a:lnTo>
-                  <a:lnTo>
-                    <a:pt x="1019570" y="4474809"/>
-                  </a:lnTo>
-                  <a:lnTo>
-                    <a:pt x="1088363" y="4523026"/>
-                  </a:lnTo>
-                  <a:lnTo>
-                    <a:pt x="1158753" y="4568880"/>
-                  </a:lnTo>
-                  <a:lnTo>
-                    <a:pt x="1230659" y="4612317"/>
-                  </a:lnTo>
-                  <a:lnTo>
-                    <a:pt x="1303999" y="4653287"/>
-                  </a:lnTo>
-                  <a:lnTo>
-                    <a:pt x="1378688" y="4691743"/>
-                  </a:lnTo>
-                  <a:lnTo>
-                    <a:pt x="1454640" y="4727641"/>
-                  </a:lnTo>
-                  <a:lnTo>
-                    <a:pt x="1531766" y="4760939"/>
-                  </a:lnTo>
-                  <a:lnTo>
-                    <a:pt x="1609979" y="4791599"/>
-                  </a:lnTo>
-                  <a:lnTo>
-                    <a:pt x="1689188" y="4819585"/>
-                  </a:lnTo>
-                  <a:lnTo>
-                    <a:pt x="1769302" y="4844866"/>
-                  </a:lnTo>
-                  <a:lnTo>
-                    <a:pt x="1850228" y="4867411"/>
-                  </a:lnTo>
-                  <a:lnTo>
-                    <a:pt x="1931873" y="4887196"/>
-                  </a:lnTo>
-                  <a:lnTo>
-                    <a:pt x="2014142" y="4904196"/>
-                  </a:lnTo>
-                  <a:lnTo>
-                    <a:pt x="2096941" y="4918394"/>
-                  </a:lnTo>
-                  <a:lnTo>
-                    <a:pt x="2180175" y="4929771"/>
-                  </a:lnTo>
-                  <a:lnTo>
-                    <a:pt x="2263747" y="4938316"/>
-                  </a:lnTo>
-                  <a:lnTo>
-                    <a:pt x="2347561" y="4944018"/>
-                  </a:lnTo>
-                  <a:lnTo>
-                    <a:pt x="2431520" y="4946871"/>
-                  </a:lnTo>
-                  <a:lnTo>
-                    <a:pt x="2515528" y="4946871"/>
-                  </a:lnTo>
-                  <a:lnTo>
-                    <a:pt x="2599487" y="4944018"/>
-                  </a:lnTo>
-                  <a:lnTo>
-                    <a:pt x="2683301" y="4938316"/>
-                  </a:lnTo>
-                  <a:lnTo>
-                    <a:pt x="2766873" y="4929771"/>
-                  </a:lnTo>
-                  <a:lnTo>
-                    <a:pt x="2850107" y="4918394"/>
-                  </a:lnTo>
-                  <a:lnTo>
-                    <a:pt x="2932906" y="4904196"/>
-                  </a:lnTo>
-                  <a:lnTo>
-                    <a:pt x="3015176" y="4887196"/>
-                  </a:lnTo>
-                  <a:lnTo>
-                    <a:pt x="3096821" y="4867411"/>
-                  </a:lnTo>
-                  <a:lnTo>
-                    <a:pt x="3177747" y="4844866"/>
-                  </a:lnTo>
-                  <a:lnTo>
-                    <a:pt x="3257860" y="4819585"/>
-                  </a:lnTo>
-                  <a:lnTo>
-                    <a:pt x="3337069" y="4791599"/>
-                  </a:lnTo>
-                  <a:lnTo>
-                    <a:pt x="3415282" y="4760939"/>
-                  </a:lnTo>
-                  <a:lnTo>
-                    <a:pt x="3492409" y="4727641"/>
-                  </a:lnTo>
-                  <a:lnTo>
-                    <a:pt x="3568361" y="4691743"/>
-                  </a:lnTo>
-                  <a:lnTo>
-                    <a:pt x="3643049" y="4653287"/>
-                  </a:lnTo>
-                  <a:lnTo>
-                    <a:pt x="3716389" y="4612317"/>
-                  </a:lnTo>
-                  <a:lnTo>
-                    <a:pt x="3788296" y="4568880"/>
-                  </a:lnTo>
-                  <a:lnTo>
-                    <a:pt x="3858686" y="4523026"/>
-                  </a:lnTo>
-                  <a:lnTo>
-                    <a:pt x="3927478" y="4474809"/>
-                  </a:lnTo>
-                  <a:lnTo>
-                    <a:pt x="3994593" y="4424284"/>
-                  </a:lnTo>
-                  <a:lnTo>
-                    <a:pt x="4059954" y="4371508"/>
-                  </a:lnTo>
-                  <a:lnTo>
-                    <a:pt x="4123486" y="4316544"/>
-                  </a:lnTo>
-                  <a:lnTo>
-                    <a:pt x="4185114" y="4259454"/>
-                  </a:lnTo>
-                  <a:lnTo>
-                    <a:pt x="4244768" y="4200304"/>
-                  </a:lnTo>
-                  <a:lnTo>
-                    <a:pt x="4302379" y="4139163"/>
-                  </a:lnTo>
-                  <a:lnTo>
-                    <a:pt x="4357881" y="4076101"/>
-                  </a:lnTo>
-                  <a:lnTo>
-                    <a:pt x="4411209" y="4011190"/>
-                  </a:lnTo>
-                  <a:lnTo>
-                    <a:pt x="4462303" y="3944506"/>
-                  </a:lnTo>
-                  <a:lnTo>
-                    <a:pt x="4511102" y="3876126"/>
-                  </a:lnTo>
-                  <a:lnTo>
-                    <a:pt x="4557552" y="3806128"/>
-                  </a:lnTo>
-                  <a:lnTo>
-                    <a:pt x="4601598" y="3734593"/>
-                  </a:lnTo>
-                  <a:lnTo>
-                    <a:pt x="4643189" y="3661603"/>
-                  </a:lnTo>
-                  <a:lnTo>
-                    <a:pt x="4682278" y="3587244"/>
-                  </a:lnTo>
-                  <a:lnTo>
-                    <a:pt x="4718819" y="3511600"/>
-                  </a:lnTo>
-                  <a:lnTo>
-                    <a:pt x="4752771" y="3434758"/>
-                  </a:lnTo>
-                  <a:lnTo>
-                    <a:pt x="4784094" y="3356809"/>
-                  </a:lnTo>
-                  <a:lnTo>
-                    <a:pt x="4812752" y="3277840"/>
-                  </a:lnTo>
-                  <a:lnTo>
-                    <a:pt x="4838712" y="3197944"/>
-                  </a:lnTo>
-                  <a:lnTo>
-                    <a:pt x="4861943" y="3117212"/>
-                  </a:lnTo>
-                  <a:lnTo>
-                    <a:pt x="4882421" y="3035739"/>
-                  </a:lnTo>
-                  <a:lnTo>
-                    <a:pt x="4900119" y="2953616"/>
-                  </a:lnTo>
-                  <a:lnTo>
-                    <a:pt x="4915019" y="2870941"/>
-                  </a:lnTo>
-                  <a:lnTo>
-                    <a:pt x="4927103" y="2787806"/>
-                  </a:lnTo>
-                  <a:lnTo>
-                    <a:pt x="4936357" y="2704310"/>
-                  </a:lnTo>
-                  <a:lnTo>
-                    <a:pt x="4942770" y="2620547"/>
-                  </a:lnTo>
-                  <a:lnTo>
-                    <a:pt x="4946336" y="2536615"/>
-                  </a:lnTo>
-                  <a:lnTo>
-                    <a:pt x="4947049" y="2452611"/>
-                  </a:lnTo>
-                  <a:lnTo>
-                    <a:pt x="4944909" y="2368630"/>
-                  </a:lnTo>
-                  <a:lnTo>
-                    <a:pt x="4939919" y="2284771"/>
-                  </a:lnTo>
-                  <a:lnTo>
-                    <a:pt x="4932084" y="2201129"/>
-                  </a:lnTo>
-                  <a:lnTo>
-                    <a:pt x="4921414" y="2117802"/>
-                  </a:lnTo>
-                  <a:lnTo>
-                    <a:pt x="4907920" y="2034885"/>
-                  </a:lnTo>
-                  <a:lnTo>
-                    <a:pt x="4891619" y="1952474"/>
-                  </a:lnTo>
-                  <a:lnTo>
-                    <a:pt x="4872528" y="1870664"/>
-                  </a:lnTo>
-                  <a:lnTo>
-                    <a:pt x="4850670" y="1789550"/>
-                  </a:lnTo>
-                  <a:lnTo>
-                    <a:pt x="4826071" y="1709225"/>
-                  </a:lnTo>
-                  <a:lnTo>
-                    <a:pt x="4798758" y="1629781"/>
-                  </a:lnTo>
-                  <a:lnTo>
-                    <a:pt x="4768763" y="1551310"/>
-                  </a:lnTo>
-                  <a:lnTo>
-                    <a:pt x="4736122" y="1473904"/>
-                  </a:lnTo>
-                  <a:lnTo>
-                    <a:pt x="4700870" y="1397650"/>
-                  </a:lnTo>
-                  <a:lnTo>
-                    <a:pt x="4663049" y="1322637"/>
-                  </a:lnTo>
-                  <a:lnTo>
-                    <a:pt x="4622703" y="1248952"/>
-                  </a:lnTo>
-                  <a:lnTo>
-                    <a:pt x="4579879" y="1176680"/>
-                  </a:lnTo>
-                  <a:lnTo>
-                    <a:pt x="4534624" y="1105903"/>
-                  </a:lnTo>
-                  <a:lnTo>
-                    <a:pt x="4486993" y="1036704"/>
-                  </a:lnTo>
-                  <a:lnTo>
-                    <a:pt x="4437039" y="969162"/>
-                  </a:lnTo>
-                  <a:lnTo>
-                    <a:pt x="4384821" y="903355"/>
-                  </a:lnTo>
-                  <a:lnTo>
-                    <a:pt x="4330398" y="839359"/>
-                  </a:lnTo>
-                  <a:lnTo>
-                    <a:pt x="4273833" y="777249"/>
-                  </a:lnTo>
-                  <a:lnTo>
-                    <a:pt x="4215192" y="717094"/>
-                  </a:lnTo>
-                  <a:lnTo>
-                    <a:pt x="4154542" y="658966"/>
-                  </a:lnTo>
-                  <a:lnTo>
-                    <a:pt x="4091953" y="602931"/>
-                  </a:lnTo>
-                  <a:lnTo>
-                    <a:pt x="4027498" y="549053"/>
-                  </a:lnTo>
-                  <a:lnTo>
-                    <a:pt x="3961250" y="497396"/>
-                  </a:lnTo>
-                  <a:lnTo>
-                    <a:pt x="3893287" y="448017"/>
-                  </a:lnTo>
-                  <a:lnTo>
-                    <a:pt x="3823685" y="400975"/>
-                  </a:lnTo>
-                  <a:lnTo>
-                    <a:pt x="3752527" y="356323"/>
-                  </a:lnTo>
-                  <a:lnTo>
-                    <a:pt x="3679893" y="314114"/>
-                  </a:lnTo>
-                  <a:lnTo>
-                    <a:pt x="3605868" y="274395"/>
-                  </a:lnTo>
-                  <a:lnTo>
-                    <a:pt x="3530537" y="237212"/>
-                  </a:lnTo>
-                  <a:lnTo>
-                    <a:pt x="3453987" y="202609"/>
-                  </a:lnTo>
-                  <a:lnTo>
-                    <a:pt x="3376306" y="170626"/>
-                  </a:lnTo>
-                  <a:lnTo>
-                    <a:pt x="3297584" y="141299"/>
-                  </a:lnTo>
-                  <a:lnTo>
-                    <a:pt x="3217911" y="114661"/>
-                  </a:lnTo>
-                  <a:lnTo>
-                    <a:pt x="3137379" y="90745"/>
-                  </a:lnTo>
-                  <a:lnTo>
-                    <a:pt x="3056082" y="69577"/>
-                  </a:lnTo>
-                  <a:lnTo>
-                    <a:pt x="2974113" y="51182"/>
-                  </a:lnTo>
-                  <a:lnTo>
-                    <a:pt x="2891567" y="35580"/>
-                  </a:lnTo>
-                  <a:lnTo>
-                    <a:pt x="2808539" y="22791"/>
-                  </a:lnTo>
-                  <a:lnTo>
-                    <a:pt x="2725124" y="12828"/>
-                  </a:lnTo>
-                  <a:lnTo>
-                    <a:pt x="2641419" y="5704"/>
-                  </a:lnTo>
-                  <a:lnTo>
-                    <a:pt x="2557520" y="1426"/>
-                  </a:lnTo>
-                  <a:lnTo>
-                    <a:pt x="2473524" y="0"/>
-                  </a:lnTo>
-                  <a:lnTo>
-                    <a:pt x="2473524" y="85297"/>
-                  </a:lnTo>
-                  <a:lnTo>
-                    <a:pt x="2473524" y="170594"/>
-                  </a:lnTo>
-                  <a:lnTo>
-                    <a:pt x="2473524" y="255891"/>
-                  </a:lnTo>
-                  <a:lnTo>
-                    <a:pt x="2473524" y="341188"/>
-                  </a:lnTo>
-                  <a:lnTo>
-                    <a:pt x="2473524" y="426485"/>
-                  </a:lnTo>
-                  <a:lnTo>
-                    <a:pt x="2473524" y="511782"/>
-                  </a:lnTo>
-                  <a:lnTo>
-                    <a:pt x="2473524" y="597079"/>
-                  </a:lnTo>
-                  <a:lnTo>
-                    <a:pt x="2473524" y="682376"/>
-                  </a:lnTo>
-                  <a:lnTo>
-                    <a:pt x="2473524" y="767673"/>
-                  </a:lnTo>
-                  <a:lnTo>
-                    <a:pt x="2473524" y="852970"/>
-                  </a:lnTo>
-                  <a:lnTo>
-                    <a:pt x="2473524" y="938267"/>
-                  </a:lnTo>
-                  <a:lnTo>
-                    <a:pt x="2473524" y="1023564"/>
-                  </a:lnTo>
-                  <a:lnTo>
-                    <a:pt x="2473524" y="1108861"/>
-                  </a:lnTo>
-                  <a:lnTo>
-                    <a:pt x="2473524" y="1194158"/>
-                  </a:lnTo>
-                  <a:lnTo>
-                    <a:pt x="2473524" y="1279455"/>
-                  </a:lnTo>
-                  <a:lnTo>
-                    <a:pt x="2473524" y="1364752"/>
-                  </a:lnTo>
-                  <a:lnTo>
-                    <a:pt x="2473524" y="1450049"/>
-                  </a:lnTo>
-                  <a:lnTo>
-                    <a:pt x="2473524" y="1535346"/>
-                  </a:lnTo>
-                  <a:lnTo>
-                    <a:pt x="2473524" y="1620643"/>
-                  </a:lnTo>
-                  <a:lnTo>
-                    <a:pt x="2473524" y="1705940"/>
-                  </a:lnTo>
-                  <a:lnTo>
-                    <a:pt x="2473524" y="1791237"/>
-                  </a:lnTo>
-                  <a:lnTo>
-                    <a:pt x="2473524" y="1876534"/>
-                  </a:lnTo>
-                  <a:lnTo>
-                    <a:pt x="2473524" y="1961831"/>
-                  </a:lnTo>
-                  <a:lnTo>
-                    <a:pt x="2473524" y="2047128"/>
-                  </a:lnTo>
-                  <a:lnTo>
-                    <a:pt x="2473524" y="2132425"/>
-                  </a:lnTo>
-                  <a:lnTo>
-                    <a:pt x="2473524" y="2217722"/>
-                  </a:lnTo>
-                  <a:lnTo>
-                    <a:pt x="2473524" y="2303019"/>
-                  </a:lnTo>
-                  <a:lnTo>
-                    <a:pt x="2473524" y="2388316"/>
-                  </a:lnTo>
-                  <a:close/>
-                </a:path>
-              </a:pathLst>
-            </a:custGeom>
+            </a:prstGeom>
             <a:solidFill>
               <a:srgbClr val="9CC5A1">
                 <a:alpha val="100000"/>
@@ -3056,7 +2313,9 @@
           <p:txBody>
             <a:bodyPr/>
             <a:lstStyle/>
-            <a:p/>
+            <a:p>
+              <a:endParaRPr/>
+            </a:p>
           </p:txBody>
         </p:sp>
         <p:sp>
@@ -3076,10 +2335,10 @@
             <a:noFill/>
           </p:spPr>
           <p:txBody>
-            <a:bodyPr lIns="0" rIns="0" tIns="0" bIns="0" anchorCtr="1" anchor="ctr" wrap="none"/>
+            <a:bodyPr wrap="none" lIns="0" tIns="0" rIns="0" bIns="0" anchor="ctr" anchorCtr="1"/>
             <a:lstStyle/>
             <a:p>
-              <a:pPr algn="l" marL="0" marR="0" indent="0">
+              <a:pPr marL="0" marR="0" indent="0" algn="l">
                 <a:lnSpc>
                   <a:spcPts val="1707"/>
                 </a:lnSpc>
@@ -3122,10 +2381,10 @@
             <a:noFill/>
           </p:spPr>
           <p:txBody>
-            <a:bodyPr lIns="0" rIns="0" tIns="0" bIns="0" anchorCtr="1" anchor="ctr" wrap="none"/>
+            <a:bodyPr wrap="none" lIns="0" tIns="0" rIns="0" bIns="0" anchor="ctr" anchorCtr="1"/>
             <a:lstStyle/>
             <a:p>
-              <a:pPr algn="l" marL="0" marR="0" indent="0">
+              <a:pPr marL="0" marR="0" indent="0" algn="l">
                 <a:lnSpc>
                   <a:spcPts val="1707"/>
                 </a:lnSpc>
@@ -3168,10 +2427,10 @@
             <a:noFill/>
           </p:spPr>
           <p:txBody>
-            <a:bodyPr lIns="0" rIns="0" tIns="0" bIns="0" anchorCtr="1" anchor="ctr" wrap="none"/>
+            <a:bodyPr wrap="none" lIns="0" tIns="0" rIns="0" bIns="0" anchor="ctr" anchorCtr="1"/>
             <a:lstStyle/>
             <a:p>
-              <a:pPr algn="l" marL="0" marR="0" indent="0">
+              <a:pPr marL="0" marR="0" indent="0" algn="l">
                 <a:lnSpc>
                   <a:spcPts val="1320"/>
                 </a:lnSpc>

--- a/Images/Figures_PPT/ComponentsChlorophytaPieChart.pptx
+++ b/Images/Figures_PPT/ComponentsChlorophytaPieChart.pptx
@@ -5,7 +5,7 @@
     <p:sldMasterId id="2147483648" r:id="rId1"/>
   </p:sldMasterIdLst>
   <p:sldIdLst>
-    <p:sldId id="256" r:id="rId2"/>
+    <p:sldId id="256" r:id="rId8"/>
   </p:sldIdLst>
   <p:sldSz cx="9144000" cy="6858000" type="screen4x3"/>
   <p:notesSz cx="6858000" cy="9144000"/>
@@ -107,22 +107,6 @@
       </a:defRPr>
     </a:lvl9pPr>
   </p:defaultTextStyle>
-  <p:extLst>
-    <p:ext uri="{EFAFB233-063F-42B5-8137-9DF3F51BA10A}">
-      <p15:sldGuideLst xmlns:p15="http://schemas.microsoft.com/office/powerpoint/2012/main">
-        <p15:guide id="1" orient="horz" pos="2160">
-          <p15:clr>
-            <a:srgbClr val="A4A3A4"/>
-          </p15:clr>
-        </p15:guide>
-        <p15:guide id="2" pos="2880">
-          <p15:clr>
-            <a:srgbClr val="A4A3A4"/>
-          </p15:clr>
-        </p15:guide>
-      </p15:sldGuideLst>
-    </p:ext>
-  </p:extLst>
 </p:presentation>
 </file>
 
@@ -164,7 +148,7 @@
           <a:lstStyle/>
           <a:p>
             <a:r>
-              <a:rPr lang="en-US"/>
+              <a:rPr lang="en-US" smtClean="0"/>
               <a:t>Click to edit Master title style</a:t>
             </a:r>
             <a:endParaRPr lang="en-GB"/>
@@ -283,7 +267,7 @@
           </a:lstStyle>
           <a:p>
             <a:r>
-              <a:rPr lang="en-US"/>
+              <a:rPr lang="en-US" smtClean="0"/>
               <a:t>Click to edit Master subtitle style</a:t>
             </a:r>
             <a:endParaRPr lang="en-GB"/>
@@ -307,7 +291,7 @@
           <a:p>
             <a:fld id="{E6744CE3-0875-4B69-89C0-6F72D8139561}" type="datetimeFigureOut">
               <a:rPr lang="en-GB" smtClean="0"/>
-              <a:t>22/05/2025</a:t>
+              <a:t>26/05/17</a:t>
             </a:fld>
             <a:endParaRPr lang="en-GB"/>
           </a:p>
@@ -401,7 +385,7 @@
           <a:lstStyle/>
           <a:p>
             <a:r>
-              <a:rPr lang="en-US"/>
+              <a:rPr lang="en-US" smtClean="0"/>
               <a:t>Click to edit Master title style</a:t>
             </a:r>
             <a:endParaRPr lang="en-GB"/>
@@ -425,35 +409,35 @@
           <a:p>
             <a:pPr lvl="0"/>
             <a:r>
-              <a:rPr lang="en-US"/>
+              <a:rPr lang="en-US" smtClean="0"/>
               <a:t>Click to edit Master text styles</a:t>
             </a:r>
           </a:p>
           <a:p>
             <a:pPr lvl="1"/>
             <a:r>
-              <a:rPr lang="en-US"/>
+              <a:rPr lang="en-US" smtClean="0"/>
               <a:t>Second level</a:t>
             </a:r>
           </a:p>
           <a:p>
             <a:pPr lvl="2"/>
             <a:r>
-              <a:rPr lang="en-US"/>
+              <a:rPr lang="en-US" smtClean="0"/>
               <a:t>Third level</a:t>
             </a:r>
           </a:p>
           <a:p>
             <a:pPr lvl="3"/>
             <a:r>
-              <a:rPr lang="en-US"/>
+              <a:rPr lang="en-US" smtClean="0"/>
               <a:t>Fourth level</a:t>
             </a:r>
           </a:p>
           <a:p>
             <a:pPr lvl="4"/>
             <a:r>
-              <a:rPr lang="en-US"/>
+              <a:rPr lang="en-US" smtClean="0"/>
               <a:t>Fifth level</a:t>
             </a:r>
             <a:endParaRPr lang="en-GB"/>
@@ -477,7 +461,7 @@
           <a:p>
             <a:fld id="{E6744CE3-0875-4B69-89C0-6F72D8139561}" type="datetimeFigureOut">
               <a:rPr lang="en-GB" smtClean="0"/>
-              <a:t>22/05/2025</a:t>
+              <a:t>26/05/17</a:t>
             </a:fld>
             <a:endParaRPr lang="en-GB"/>
           </a:p>
@@ -580,7 +564,7 @@
           </a:lstStyle>
           <a:p>
             <a:r>
-              <a:rPr lang="en-US"/>
+              <a:rPr lang="en-US" smtClean="0"/>
               <a:t>Click to edit Master title style</a:t>
             </a:r>
             <a:endParaRPr lang="en-GB"/>
@@ -700,7 +684,7 @@
           <a:p>
             <a:pPr lvl="0"/>
             <a:r>
-              <a:rPr lang="en-US"/>
+              <a:rPr lang="en-US" smtClean="0"/>
               <a:t>Click to edit Master text styles</a:t>
             </a:r>
           </a:p>
@@ -723,7 +707,7 @@
           <a:p>
             <a:fld id="{E6744CE3-0875-4B69-89C0-6F72D8139561}" type="datetimeFigureOut">
               <a:rPr lang="en-GB" smtClean="0"/>
-              <a:t>22/05/2025</a:t>
+              <a:t>26/05/17</a:t>
             </a:fld>
             <a:endParaRPr lang="en-GB"/>
           </a:p>
@@ -817,7 +801,7 @@
           <a:lstStyle/>
           <a:p>
             <a:r>
-              <a:rPr lang="en-US"/>
+              <a:rPr lang="en-US" smtClean="0"/>
               <a:t>Click to edit Master title style</a:t>
             </a:r>
             <a:endParaRPr lang="en-GB"/>
@@ -874,35 +858,35 @@
           <a:p>
             <a:pPr lvl="0"/>
             <a:r>
-              <a:rPr lang="en-US"/>
+              <a:rPr lang="en-US" smtClean="0"/>
               <a:t>Click to edit Master text styles</a:t>
             </a:r>
           </a:p>
           <a:p>
             <a:pPr lvl="1"/>
             <a:r>
-              <a:rPr lang="en-US"/>
+              <a:rPr lang="en-US" smtClean="0"/>
               <a:t>Second level</a:t>
             </a:r>
           </a:p>
           <a:p>
             <a:pPr lvl="2"/>
             <a:r>
-              <a:rPr lang="en-US"/>
+              <a:rPr lang="en-US" smtClean="0"/>
               <a:t>Third level</a:t>
             </a:r>
           </a:p>
           <a:p>
             <a:pPr lvl="3"/>
             <a:r>
-              <a:rPr lang="en-US"/>
+              <a:rPr lang="en-US" smtClean="0"/>
               <a:t>Fourth level</a:t>
             </a:r>
           </a:p>
           <a:p>
             <a:pPr lvl="4"/>
             <a:r>
-              <a:rPr lang="en-US"/>
+              <a:rPr lang="en-US" smtClean="0"/>
               <a:t>Fifth level</a:t>
             </a:r>
             <a:endParaRPr lang="en-GB"/>
@@ -959,35 +943,35 @@
           <a:p>
             <a:pPr lvl="0"/>
             <a:r>
-              <a:rPr lang="en-US"/>
+              <a:rPr lang="en-US" smtClean="0"/>
               <a:t>Click to edit Master text styles</a:t>
             </a:r>
           </a:p>
           <a:p>
             <a:pPr lvl="1"/>
             <a:r>
-              <a:rPr lang="en-US"/>
+              <a:rPr lang="en-US" smtClean="0"/>
               <a:t>Second level</a:t>
             </a:r>
           </a:p>
           <a:p>
             <a:pPr lvl="2"/>
             <a:r>
-              <a:rPr lang="en-US"/>
+              <a:rPr lang="en-US" smtClean="0"/>
               <a:t>Third level</a:t>
             </a:r>
           </a:p>
           <a:p>
             <a:pPr lvl="3"/>
             <a:r>
-              <a:rPr lang="en-US"/>
+              <a:rPr lang="en-US" smtClean="0"/>
               <a:t>Fourth level</a:t>
             </a:r>
           </a:p>
           <a:p>
             <a:pPr lvl="4"/>
             <a:r>
-              <a:rPr lang="en-US"/>
+              <a:rPr lang="en-US" smtClean="0"/>
               <a:t>Fifth level</a:t>
             </a:r>
             <a:endParaRPr lang="en-GB"/>
@@ -1011,7 +995,7 @@
           <a:p>
             <a:fld id="{E6744CE3-0875-4B69-89C0-6F72D8139561}" type="datetimeFigureOut">
               <a:rPr lang="en-GB" smtClean="0"/>
-              <a:t>22/05/2025</a:t>
+              <a:t>26/05/17</a:t>
             </a:fld>
             <a:endParaRPr lang="en-GB"/>
           </a:p>
@@ -1109,7 +1093,7 @@
           </a:lstStyle>
           <a:p>
             <a:r>
-              <a:rPr lang="en-US"/>
+              <a:rPr lang="en-US" smtClean="0"/>
               <a:t>Click to edit Master title style</a:t>
             </a:r>
             <a:endParaRPr lang="en-GB"/>
@@ -1175,7 +1159,7 @@
           <a:p>
             <a:pPr lvl="0"/>
             <a:r>
-              <a:rPr lang="en-US"/>
+              <a:rPr lang="en-US" smtClean="0"/>
               <a:t>Click to edit Master text styles</a:t>
             </a:r>
           </a:p>
@@ -1231,35 +1215,35 @@
           <a:p>
             <a:pPr lvl="0"/>
             <a:r>
-              <a:rPr lang="en-US"/>
+              <a:rPr lang="en-US" smtClean="0"/>
               <a:t>Click to edit Master text styles</a:t>
             </a:r>
           </a:p>
           <a:p>
             <a:pPr lvl="1"/>
             <a:r>
-              <a:rPr lang="en-US"/>
+              <a:rPr lang="en-US" smtClean="0"/>
               <a:t>Second level</a:t>
             </a:r>
           </a:p>
           <a:p>
             <a:pPr lvl="2"/>
             <a:r>
-              <a:rPr lang="en-US"/>
+              <a:rPr lang="en-US" smtClean="0"/>
               <a:t>Third level</a:t>
             </a:r>
           </a:p>
           <a:p>
             <a:pPr lvl="3"/>
             <a:r>
-              <a:rPr lang="en-US"/>
+              <a:rPr lang="en-US" smtClean="0"/>
               <a:t>Fourth level</a:t>
             </a:r>
           </a:p>
           <a:p>
             <a:pPr lvl="4"/>
             <a:r>
-              <a:rPr lang="en-US"/>
+              <a:rPr lang="en-US" smtClean="0"/>
               <a:t>Fifth level</a:t>
             </a:r>
             <a:endParaRPr lang="en-GB"/>
@@ -1325,7 +1309,7 @@
           <a:p>
             <a:pPr lvl="0"/>
             <a:r>
-              <a:rPr lang="en-US"/>
+              <a:rPr lang="en-US" smtClean="0"/>
               <a:t>Click to edit Master text styles</a:t>
             </a:r>
           </a:p>
@@ -1381,35 +1365,35 @@
           <a:p>
             <a:pPr lvl="0"/>
             <a:r>
-              <a:rPr lang="en-US"/>
+              <a:rPr lang="en-US" smtClean="0"/>
               <a:t>Click to edit Master text styles</a:t>
             </a:r>
           </a:p>
           <a:p>
             <a:pPr lvl="1"/>
             <a:r>
-              <a:rPr lang="en-US"/>
+              <a:rPr lang="en-US" smtClean="0"/>
               <a:t>Second level</a:t>
             </a:r>
           </a:p>
           <a:p>
             <a:pPr lvl="2"/>
             <a:r>
-              <a:rPr lang="en-US"/>
+              <a:rPr lang="en-US" smtClean="0"/>
               <a:t>Third level</a:t>
             </a:r>
           </a:p>
           <a:p>
             <a:pPr lvl="3"/>
             <a:r>
-              <a:rPr lang="en-US"/>
+              <a:rPr lang="en-US" smtClean="0"/>
               <a:t>Fourth level</a:t>
             </a:r>
           </a:p>
           <a:p>
             <a:pPr lvl="4"/>
             <a:r>
-              <a:rPr lang="en-US"/>
+              <a:rPr lang="en-US" smtClean="0"/>
               <a:t>Fifth level</a:t>
             </a:r>
             <a:endParaRPr lang="en-GB"/>
@@ -1433,7 +1417,7 @@
           <a:p>
             <a:fld id="{E6744CE3-0875-4B69-89C0-6F72D8139561}" type="datetimeFigureOut">
               <a:rPr lang="en-GB" smtClean="0"/>
-              <a:t>22/05/2025</a:t>
+              <a:t>26/05/17</a:t>
             </a:fld>
             <a:endParaRPr lang="en-GB"/>
           </a:p>
@@ -1527,7 +1511,7 @@
           <a:lstStyle/>
           <a:p>
             <a:r>
-              <a:rPr lang="en-US"/>
+              <a:rPr lang="en-US" smtClean="0"/>
               <a:t>Click to edit Master title style</a:t>
             </a:r>
             <a:endParaRPr lang="en-GB"/>
@@ -1551,7 +1535,7 @@
           <a:p>
             <a:fld id="{E6744CE3-0875-4B69-89C0-6F72D8139561}" type="datetimeFigureOut">
               <a:rPr lang="en-GB" smtClean="0"/>
-              <a:t>22/05/2025</a:t>
+              <a:t>26/05/17</a:t>
             </a:fld>
             <a:endParaRPr lang="en-GB"/>
           </a:p>
@@ -1646,7 +1630,7 @@
           <a:p>
             <a:fld id="{E6744CE3-0875-4B69-89C0-6F72D8139561}" type="datetimeFigureOut">
               <a:rPr lang="en-GB" smtClean="0"/>
-              <a:t>22/05/2025</a:t>
+              <a:t>26/05/17</a:t>
             </a:fld>
             <a:endParaRPr lang="en-GB"/>
           </a:p>
@@ -1755,7 +1739,7 @@
           <a:lstStyle/>
           <a:p>
             <a:r>
-              <a:rPr lang="en-US"/>
+              <a:rPr lang="en-US" smtClean="0"/>
               <a:t>Click to edit Master title style</a:t>
             </a:r>
             <a:endParaRPr lang="en-GB"/>
@@ -1789,35 +1773,35 @@
           <a:p>
             <a:pPr lvl="0"/>
             <a:r>
-              <a:rPr lang="en-US"/>
+              <a:rPr lang="en-US" smtClean="0"/>
               <a:t>Click to edit Master text styles</a:t>
             </a:r>
           </a:p>
           <a:p>
             <a:pPr lvl="1"/>
             <a:r>
-              <a:rPr lang="en-US"/>
+              <a:rPr lang="en-US" smtClean="0"/>
               <a:t>Second level</a:t>
             </a:r>
           </a:p>
           <a:p>
             <a:pPr lvl="2"/>
             <a:r>
-              <a:rPr lang="en-US"/>
+              <a:rPr lang="en-US" smtClean="0"/>
               <a:t>Third level</a:t>
             </a:r>
           </a:p>
           <a:p>
             <a:pPr lvl="3"/>
             <a:r>
-              <a:rPr lang="en-US"/>
+              <a:rPr lang="en-US" smtClean="0"/>
               <a:t>Fourth level</a:t>
             </a:r>
           </a:p>
           <a:p>
             <a:pPr lvl="4"/>
             <a:r>
-              <a:rPr lang="en-US"/>
+              <a:rPr lang="en-US" smtClean="0"/>
               <a:t>Fifth level</a:t>
             </a:r>
             <a:endParaRPr lang="en-GB"/>
@@ -1859,7 +1843,7 @@
           <a:p>
             <a:fld id="{E6744CE3-0875-4B69-89C0-6F72D8139561}" type="datetimeFigureOut">
               <a:rPr lang="en-GB" smtClean="0"/>
-              <a:t>22/05/2025</a:t>
+              <a:t>26/05/17</a:t>
             </a:fld>
             <a:endParaRPr lang="en-GB"/>
           </a:p>
@@ -2230,15 +2214,42 @@
           <a:chExt cx="0" cy="0"/>
         </a:xfrm>
       </p:grpSpPr>
-      <p:grpSp>
+      <p:sp>
+        <p:nvSpPr>
+          <p:cNvPr id="2" name="Title 1"/>
+          <p:cNvSpPr>
+            <a:spLocks noGrp="1"/>
+          </p:cNvSpPr>
+          <p:nvPr>
+            <p:ph type="title"/>
+          </p:nvPr>
+        </p:nvSpPr>
+        <p:spPr>
+          <a:xfrm>
+            <a:off x="457200" y="274638"/>
+            <a:ext cx="8229600" cy="1143000"/>
+          </a:xfrm>
+        </p:spPr>
+        <p:txBody>
+          <a:bodyPr/>
+          <a:lstStyle/>
+          <a:p>
+            <a:r>
+              <a:rPr/>
+              <a:t/>
+            </a:r>
+          </a:p>
+        </p:txBody>
+      </p:sp>
+      <p:grpSp xmlns:pic="http://schemas.openxmlformats.org/drawingml/2006/picture">
         <p:nvGrpSpPr>
-          <p:cNvPr id="3" name="Group 2"/>
+          <p:cNvPr id="3" name=""/>
           <p:cNvGrpSpPr/>
           <p:nvPr/>
         </p:nvGrpSpPr>
         <p:grpSpPr>
           <a:xfrm>
-            <a:off x="0" y="0"/>
+            <a:off x="914400" y="914400"/>
             <a:ext cx="9144000" cy="6400800"/>
             <a:chOff x="914400" y="914400"/>
             <a:chExt cx="9144000" cy="6400800"/>
@@ -2276,9 +2287,7 @@
           <p:txBody>
             <a:bodyPr/>
             <a:lstStyle/>
-            <a:p>
-              <a:endParaRPr/>
-            </a:p>
+            <a:p/>
           </p:txBody>
         </p:sp>
         <p:sp>
@@ -2292,9 +2301,743 @@
               <a:off x="3012875" y="1749568"/>
               <a:ext cx="4947049" cy="4946871"/>
             </a:xfrm>
-            <a:prstGeom prst="ellipse">
+            <a:custGeom>
               <a:avLst/>
-            </a:prstGeom>
+              <a:pathLst>
+                <a:path w="4947049" h="4946871">
+                  <a:moveTo>
+                    <a:pt x="2473524" y="2473613"/>
+                  </a:moveTo>
+                  <a:lnTo>
+                    <a:pt x="2473524" y="2388316"/>
+                  </a:lnTo>
+                  <a:lnTo>
+                    <a:pt x="2473524" y="2303019"/>
+                  </a:lnTo>
+                  <a:lnTo>
+                    <a:pt x="2473524" y="2217722"/>
+                  </a:lnTo>
+                  <a:lnTo>
+                    <a:pt x="2473524" y="2132425"/>
+                  </a:lnTo>
+                  <a:lnTo>
+                    <a:pt x="2473524" y="2047128"/>
+                  </a:lnTo>
+                  <a:lnTo>
+                    <a:pt x="2473524" y="1961831"/>
+                  </a:lnTo>
+                  <a:lnTo>
+                    <a:pt x="2473524" y="1876534"/>
+                  </a:lnTo>
+                  <a:lnTo>
+                    <a:pt x="2473524" y="1791237"/>
+                  </a:lnTo>
+                  <a:lnTo>
+                    <a:pt x="2473524" y="1705940"/>
+                  </a:lnTo>
+                  <a:lnTo>
+                    <a:pt x="2473524" y="1620643"/>
+                  </a:lnTo>
+                  <a:lnTo>
+                    <a:pt x="2473524" y="1535346"/>
+                  </a:lnTo>
+                  <a:lnTo>
+                    <a:pt x="2473524" y="1450049"/>
+                  </a:lnTo>
+                  <a:lnTo>
+                    <a:pt x="2473524" y="1364752"/>
+                  </a:lnTo>
+                  <a:lnTo>
+                    <a:pt x="2473524" y="1279455"/>
+                  </a:lnTo>
+                  <a:lnTo>
+                    <a:pt x="2473524" y="1194158"/>
+                  </a:lnTo>
+                  <a:lnTo>
+                    <a:pt x="2473524" y="1108861"/>
+                  </a:lnTo>
+                  <a:lnTo>
+                    <a:pt x="2473524" y="1023564"/>
+                  </a:lnTo>
+                  <a:lnTo>
+                    <a:pt x="2473524" y="938267"/>
+                  </a:lnTo>
+                  <a:lnTo>
+                    <a:pt x="2473524" y="852970"/>
+                  </a:lnTo>
+                  <a:lnTo>
+                    <a:pt x="2473524" y="767673"/>
+                  </a:lnTo>
+                  <a:lnTo>
+                    <a:pt x="2473524" y="682376"/>
+                  </a:lnTo>
+                  <a:lnTo>
+                    <a:pt x="2473524" y="597079"/>
+                  </a:lnTo>
+                  <a:lnTo>
+                    <a:pt x="2473524" y="511782"/>
+                  </a:lnTo>
+                  <a:lnTo>
+                    <a:pt x="2473524" y="426485"/>
+                  </a:lnTo>
+                  <a:lnTo>
+                    <a:pt x="2473524" y="341188"/>
+                  </a:lnTo>
+                  <a:lnTo>
+                    <a:pt x="2473524" y="255891"/>
+                  </a:lnTo>
+                  <a:lnTo>
+                    <a:pt x="2473524" y="170594"/>
+                  </a:lnTo>
+                  <a:lnTo>
+                    <a:pt x="2473524" y="85297"/>
+                  </a:lnTo>
+                  <a:lnTo>
+                    <a:pt x="2473524" y="0"/>
+                  </a:lnTo>
+                  <a:lnTo>
+                    <a:pt x="2389529" y="1426"/>
+                  </a:lnTo>
+                  <a:lnTo>
+                    <a:pt x="2305630" y="5704"/>
+                  </a:lnTo>
+                  <a:lnTo>
+                    <a:pt x="2221925" y="12828"/>
+                  </a:lnTo>
+                  <a:lnTo>
+                    <a:pt x="2138510" y="22791"/>
+                  </a:lnTo>
+                  <a:lnTo>
+                    <a:pt x="2055481" y="35580"/>
+                  </a:lnTo>
+                  <a:lnTo>
+                    <a:pt x="1972935" y="51182"/>
+                  </a:lnTo>
+                  <a:lnTo>
+                    <a:pt x="1890966" y="69577"/>
+                  </a:lnTo>
+                  <a:lnTo>
+                    <a:pt x="1809669" y="90745"/>
+                  </a:lnTo>
+                  <a:lnTo>
+                    <a:pt x="1729138" y="114661"/>
+                  </a:lnTo>
+                  <a:lnTo>
+                    <a:pt x="1649465" y="141299"/>
+                  </a:lnTo>
+                  <a:lnTo>
+                    <a:pt x="1570743" y="170626"/>
+                  </a:lnTo>
+                  <a:lnTo>
+                    <a:pt x="1493062" y="202609"/>
+                  </a:lnTo>
+                  <a:lnTo>
+                    <a:pt x="1416511" y="237212"/>
+                  </a:lnTo>
+                  <a:lnTo>
+                    <a:pt x="1341180" y="274395"/>
+                  </a:lnTo>
+                  <a:lnTo>
+                    <a:pt x="1267155" y="314114"/>
+                  </a:lnTo>
+                  <a:lnTo>
+                    <a:pt x="1194522" y="356323"/>
+                  </a:lnTo>
+                  <a:lnTo>
+                    <a:pt x="1123363" y="400975"/>
+                  </a:lnTo>
+                  <a:lnTo>
+                    <a:pt x="1053762" y="448017"/>
+                  </a:lnTo>
+                  <a:lnTo>
+                    <a:pt x="985798" y="497396"/>
+                  </a:lnTo>
+                  <a:lnTo>
+                    <a:pt x="919551" y="549053"/>
+                  </a:lnTo>
+                  <a:lnTo>
+                    <a:pt x="855095" y="602931"/>
+                  </a:lnTo>
+                  <a:lnTo>
+                    <a:pt x="792506" y="658966"/>
+                  </a:lnTo>
+                  <a:lnTo>
+                    <a:pt x="731856" y="717094"/>
+                  </a:lnTo>
+                  <a:lnTo>
+                    <a:pt x="673215" y="777249"/>
+                  </a:lnTo>
+                  <a:lnTo>
+                    <a:pt x="616651" y="839359"/>
+                  </a:lnTo>
+                  <a:lnTo>
+                    <a:pt x="562228" y="903355"/>
+                  </a:lnTo>
+                  <a:lnTo>
+                    <a:pt x="510009" y="969162"/>
+                  </a:lnTo>
+                  <a:lnTo>
+                    <a:pt x="460056" y="1036704"/>
+                  </a:lnTo>
+                  <a:lnTo>
+                    <a:pt x="412424" y="1105903"/>
+                  </a:lnTo>
+                  <a:lnTo>
+                    <a:pt x="367170" y="1176680"/>
+                  </a:lnTo>
+                  <a:lnTo>
+                    <a:pt x="324345" y="1248952"/>
+                  </a:lnTo>
+                  <a:lnTo>
+                    <a:pt x="283999" y="1322637"/>
+                  </a:lnTo>
+                  <a:lnTo>
+                    <a:pt x="246179" y="1397650"/>
+                  </a:lnTo>
+                  <a:lnTo>
+                    <a:pt x="210927" y="1473904"/>
+                  </a:lnTo>
+                  <a:lnTo>
+                    <a:pt x="178285" y="1551310"/>
+                  </a:lnTo>
+                  <a:lnTo>
+                    <a:pt x="148290" y="1629781"/>
+                  </a:lnTo>
+                  <a:lnTo>
+                    <a:pt x="120978" y="1709225"/>
+                  </a:lnTo>
+                  <a:lnTo>
+                    <a:pt x="96378" y="1789550"/>
+                  </a:lnTo>
+                  <a:lnTo>
+                    <a:pt x="74521" y="1870664"/>
+                  </a:lnTo>
+                  <a:lnTo>
+                    <a:pt x="55430" y="1952474"/>
+                  </a:lnTo>
+                  <a:lnTo>
+                    <a:pt x="39128" y="2034885"/>
+                  </a:lnTo>
+                  <a:lnTo>
+                    <a:pt x="25635" y="2117802"/>
+                  </a:lnTo>
+                  <a:lnTo>
+                    <a:pt x="14964" y="2201129"/>
+                  </a:lnTo>
+                  <a:lnTo>
+                    <a:pt x="7129" y="2284771"/>
+                  </a:lnTo>
+                  <a:lnTo>
+                    <a:pt x="2139" y="2368630"/>
+                  </a:lnTo>
+                  <a:lnTo>
+                    <a:pt x="0" y="2452611"/>
+                  </a:lnTo>
+                  <a:lnTo>
+                    <a:pt x="713" y="2536615"/>
+                  </a:lnTo>
+                  <a:lnTo>
+                    <a:pt x="4278" y="2620547"/>
+                  </a:lnTo>
+                  <a:lnTo>
+                    <a:pt x="10692" y="2704310"/>
+                  </a:lnTo>
+                  <a:lnTo>
+                    <a:pt x="19946" y="2787806"/>
+                  </a:lnTo>
+                  <a:lnTo>
+                    <a:pt x="32029" y="2870941"/>
+                  </a:lnTo>
+                  <a:lnTo>
+                    <a:pt x="46929" y="2953616"/>
+                  </a:lnTo>
+                  <a:lnTo>
+                    <a:pt x="64628" y="3035739"/>
+                  </a:lnTo>
+                  <a:lnTo>
+                    <a:pt x="85105" y="3117212"/>
+                  </a:lnTo>
+                  <a:lnTo>
+                    <a:pt x="108337" y="3197944"/>
+                  </a:lnTo>
+                  <a:lnTo>
+                    <a:pt x="134297" y="3277840"/>
+                  </a:lnTo>
+                  <a:lnTo>
+                    <a:pt x="162955" y="3356809"/>
+                  </a:lnTo>
+                  <a:lnTo>
+                    <a:pt x="194277" y="3434758"/>
+                  </a:lnTo>
+                  <a:lnTo>
+                    <a:pt x="228229" y="3511600"/>
+                  </a:lnTo>
+                  <a:lnTo>
+                    <a:pt x="264770" y="3587244"/>
+                  </a:lnTo>
+                  <a:lnTo>
+                    <a:pt x="303859" y="3661603"/>
+                  </a:lnTo>
+                  <a:lnTo>
+                    <a:pt x="345451" y="3734593"/>
+                  </a:lnTo>
+                  <a:lnTo>
+                    <a:pt x="389497" y="3806128"/>
+                  </a:lnTo>
+                  <a:lnTo>
+                    <a:pt x="435946" y="3876126"/>
+                  </a:lnTo>
+                  <a:lnTo>
+                    <a:pt x="484746" y="3944506"/>
+                  </a:lnTo>
+                  <a:lnTo>
+                    <a:pt x="535839" y="4011190"/>
+                  </a:lnTo>
+                  <a:lnTo>
+                    <a:pt x="589168" y="4076101"/>
+                  </a:lnTo>
+                  <a:lnTo>
+                    <a:pt x="644669" y="4139163"/>
+                  </a:lnTo>
+                  <a:lnTo>
+                    <a:pt x="702281" y="4200304"/>
+                  </a:lnTo>
+                  <a:lnTo>
+                    <a:pt x="761935" y="4259454"/>
+                  </a:lnTo>
+                  <a:lnTo>
+                    <a:pt x="823563" y="4316544"/>
+                  </a:lnTo>
+                  <a:lnTo>
+                    <a:pt x="887094" y="4371508"/>
+                  </a:lnTo>
+                  <a:lnTo>
+                    <a:pt x="952455" y="4424284"/>
+                  </a:lnTo>
+                  <a:lnTo>
+                    <a:pt x="1019570" y="4474809"/>
+                  </a:lnTo>
+                  <a:lnTo>
+                    <a:pt x="1088363" y="4523026"/>
+                  </a:lnTo>
+                  <a:lnTo>
+                    <a:pt x="1158753" y="4568880"/>
+                  </a:lnTo>
+                  <a:lnTo>
+                    <a:pt x="1230659" y="4612317"/>
+                  </a:lnTo>
+                  <a:lnTo>
+                    <a:pt x="1303999" y="4653287"/>
+                  </a:lnTo>
+                  <a:lnTo>
+                    <a:pt x="1378688" y="4691743"/>
+                  </a:lnTo>
+                  <a:lnTo>
+                    <a:pt x="1454640" y="4727641"/>
+                  </a:lnTo>
+                  <a:lnTo>
+                    <a:pt x="1531766" y="4760939"/>
+                  </a:lnTo>
+                  <a:lnTo>
+                    <a:pt x="1609979" y="4791599"/>
+                  </a:lnTo>
+                  <a:lnTo>
+                    <a:pt x="1689188" y="4819585"/>
+                  </a:lnTo>
+                  <a:lnTo>
+                    <a:pt x="1769302" y="4844866"/>
+                  </a:lnTo>
+                  <a:lnTo>
+                    <a:pt x="1850228" y="4867411"/>
+                  </a:lnTo>
+                  <a:lnTo>
+                    <a:pt x="1931873" y="4887196"/>
+                  </a:lnTo>
+                  <a:lnTo>
+                    <a:pt x="2014142" y="4904196"/>
+                  </a:lnTo>
+                  <a:lnTo>
+                    <a:pt x="2096941" y="4918394"/>
+                  </a:lnTo>
+                  <a:lnTo>
+                    <a:pt x="2180175" y="4929771"/>
+                  </a:lnTo>
+                  <a:lnTo>
+                    <a:pt x="2263747" y="4938316"/>
+                  </a:lnTo>
+                  <a:lnTo>
+                    <a:pt x="2347561" y="4944018"/>
+                  </a:lnTo>
+                  <a:lnTo>
+                    <a:pt x="2431520" y="4946871"/>
+                  </a:lnTo>
+                  <a:lnTo>
+                    <a:pt x="2515528" y="4946871"/>
+                  </a:lnTo>
+                  <a:lnTo>
+                    <a:pt x="2599487" y="4944018"/>
+                  </a:lnTo>
+                  <a:lnTo>
+                    <a:pt x="2683301" y="4938316"/>
+                  </a:lnTo>
+                  <a:lnTo>
+                    <a:pt x="2766873" y="4929771"/>
+                  </a:lnTo>
+                  <a:lnTo>
+                    <a:pt x="2850107" y="4918394"/>
+                  </a:lnTo>
+                  <a:lnTo>
+                    <a:pt x="2932906" y="4904196"/>
+                  </a:lnTo>
+                  <a:lnTo>
+                    <a:pt x="3015176" y="4887196"/>
+                  </a:lnTo>
+                  <a:lnTo>
+                    <a:pt x="3096821" y="4867411"/>
+                  </a:lnTo>
+                  <a:lnTo>
+                    <a:pt x="3177747" y="4844866"/>
+                  </a:lnTo>
+                  <a:lnTo>
+                    <a:pt x="3257860" y="4819585"/>
+                  </a:lnTo>
+                  <a:lnTo>
+                    <a:pt x="3337069" y="4791599"/>
+                  </a:lnTo>
+                  <a:lnTo>
+                    <a:pt x="3415282" y="4760939"/>
+                  </a:lnTo>
+                  <a:lnTo>
+                    <a:pt x="3492409" y="4727641"/>
+                  </a:lnTo>
+                  <a:lnTo>
+                    <a:pt x="3568361" y="4691743"/>
+                  </a:lnTo>
+                  <a:lnTo>
+                    <a:pt x="3643049" y="4653287"/>
+                  </a:lnTo>
+                  <a:lnTo>
+                    <a:pt x="3716389" y="4612317"/>
+                  </a:lnTo>
+                  <a:lnTo>
+                    <a:pt x="3788296" y="4568880"/>
+                  </a:lnTo>
+                  <a:lnTo>
+                    <a:pt x="3858686" y="4523026"/>
+                  </a:lnTo>
+                  <a:lnTo>
+                    <a:pt x="3927478" y="4474809"/>
+                  </a:lnTo>
+                  <a:lnTo>
+                    <a:pt x="3994593" y="4424284"/>
+                  </a:lnTo>
+                  <a:lnTo>
+                    <a:pt x="4059954" y="4371508"/>
+                  </a:lnTo>
+                  <a:lnTo>
+                    <a:pt x="4123486" y="4316544"/>
+                  </a:lnTo>
+                  <a:lnTo>
+                    <a:pt x="4185114" y="4259454"/>
+                  </a:lnTo>
+                  <a:lnTo>
+                    <a:pt x="4244768" y="4200304"/>
+                  </a:lnTo>
+                  <a:lnTo>
+                    <a:pt x="4302379" y="4139163"/>
+                  </a:lnTo>
+                  <a:lnTo>
+                    <a:pt x="4357881" y="4076101"/>
+                  </a:lnTo>
+                  <a:lnTo>
+                    <a:pt x="4411209" y="4011190"/>
+                  </a:lnTo>
+                  <a:lnTo>
+                    <a:pt x="4462303" y="3944506"/>
+                  </a:lnTo>
+                  <a:lnTo>
+                    <a:pt x="4511102" y="3876126"/>
+                  </a:lnTo>
+                  <a:lnTo>
+                    <a:pt x="4557552" y="3806128"/>
+                  </a:lnTo>
+                  <a:lnTo>
+                    <a:pt x="4601598" y="3734593"/>
+                  </a:lnTo>
+                  <a:lnTo>
+                    <a:pt x="4643189" y="3661603"/>
+                  </a:lnTo>
+                  <a:lnTo>
+                    <a:pt x="4682278" y="3587244"/>
+                  </a:lnTo>
+                  <a:lnTo>
+                    <a:pt x="4718819" y="3511600"/>
+                  </a:lnTo>
+                  <a:lnTo>
+                    <a:pt x="4752771" y="3434758"/>
+                  </a:lnTo>
+                  <a:lnTo>
+                    <a:pt x="4784094" y="3356809"/>
+                  </a:lnTo>
+                  <a:lnTo>
+                    <a:pt x="4812752" y="3277840"/>
+                  </a:lnTo>
+                  <a:lnTo>
+                    <a:pt x="4838712" y="3197944"/>
+                  </a:lnTo>
+                  <a:lnTo>
+                    <a:pt x="4861943" y="3117212"/>
+                  </a:lnTo>
+                  <a:lnTo>
+                    <a:pt x="4882421" y="3035739"/>
+                  </a:lnTo>
+                  <a:lnTo>
+                    <a:pt x="4900119" y="2953616"/>
+                  </a:lnTo>
+                  <a:lnTo>
+                    <a:pt x="4915019" y="2870941"/>
+                  </a:lnTo>
+                  <a:lnTo>
+                    <a:pt x="4927103" y="2787806"/>
+                  </a:lnTo>
+                  <a:lnTo>
+                    <a:pt x="4936357" y="2704310"/>
+                  </a:lnTo>
+                  <a:lnTo>
+                    <a:pt x="4942770" y="2620547"/>
+                  </a:lnTo>
+                  <a:lnTo>
+                    <a:pt x="4946336" y="2536615"/>
+                  </a:lnTo>
+                  <a:lnTo>
+                    <a:pt x="4947049" y="2452611"/>
+                  </a:lnTo>
+                  <a:lnTo>
+                    <a:pt x="4944909" y="2368630"/>
+                  </a:lnTo>
+                  <a:lnTo>
+                    <a:pt x="4939919" y="2284771"/>
+                  </a:lnTo>
+                  <a:lnTo>
+                    <a:pt x="4932084" y="2201129"/>
+                  </a:lnTo>
+                  <a:lnTo>
+                    <a:pt x="4921414" y="2117802"/>
+                  </a:lnTo>
+                  <a:lnTo>
+                    <a:pt x="4907920" y="2034885"/>
+                  </a:lnTo>
+                  <a:lnTo>
+                    <a:pt x="4891619" y="1952474"/>
+                  </a:lnTo>
+                  <a:lnTo>
+                    <a:pt x="4872528" y="1870664"/>
+                  </a:lnTo>
+                  <a:lnTo>
+                    <a:pt x="4850670" y="1789550"/>
+                  </a:lnTo>
+                  <a:lnTo>
+                    <a:pt x="4826071" y="1709225"/>
+                  </a:lnTo>
+                  <a:lnTo>
+                    <a:pt x="4798758" y="1629781"/>
+                  </a:lnTo>
+                  <a:lnTo>
+                    <a:pt x="4768763" y="1551310"/>
+                  </a:lnTo>
+                  <a:lnTo>
+                    <a:pt x="4736122" y="1473904"/>
+                  </a:lnTo>
+                  <a:lnTo>
+                    <a:pt x="4700870" y="1397650"/>
+                  </a:lnTo>
+                  <a:lnTo>
+                    <a:pt x="4663049" y="1322637"/>
+                  </a:lnTo>
+                  <a:lnTo>
+                    <a:pt x="4622703" y="1248952"/>
+                  </a:lnTo>
+                  <a:lnTo>
+                    <a:pt x="4579879" y="1176680"/>
+                  </a:lnTo>
+                  <a:lnTo>
+                    <a:pt x="4534624" y="1105903"/>
+                  </a:lnTo>
+                  <a:lnTo>
+                    <a:pt x="4486993" y="1036704"/>
+                  </a:lnTo>
+                  <a:lnTo>
+                    <a:pt x="4437039" y="969162"/>
+                  </a:lnTo>
+                  <a:lnTo>
+                    <a:pt x="4384821" y="903355"/>
+                  </a:lnTo>
+                  <a:lnTo>
+                    <a:pt x="4330398" y="839359"/>
+                  </a:lnTo>
+                  <a:lnTo>
+                    <a:pt x="4273833" y="777249"/>
+                  </a:lnTo>
+                  <a:lnTo>
+                    <a:pt x="4215192" y="717094"/>
+                  </a:lnTo>
+                  <a:lnTo>
+                    <a:pt x="4154542" y="658966"/>
+                  </a:lnTo>
+                  <a:lnTo>
+                    <a:pt x="4091953" y="602931"/>
+                  </a:lnTo>
+                  <a:lnTo>
+                    <a:pt x="4027498" y="549053"/>
+                  </a:lnTo>
+                  <a:lnTo>
+                    <a:pt x="3961250" y="497396"/>
+                  </a:lnTo>
+                  <a:lnTo>
+                    <a:pt x="3893287" y="448017"/>
+                  </a:lnTo>
+                  <a:lnTo>
+                    <a:pt x="3823685" y="400975"/>
+                  </a:lnTo>
+                  <a:lnTo>
+                    <a:pt x="3752527" y="356323"/>
+                  </a:lnTo>
+                  <a:lnTo>
+                    <a:pt x="3679893" y="314114"/>
+                  </a:lnTo>
+                  <a:lnTo>
+                    <a:pt x="3605868" y="274395"/>
+                  </a:lnTo>
+                  <a:lnTo>
+                    <a:pt x="3530537" y="237212"/>
+                  </a:lnTo>
+                  <a:lnTo>
+                    <a:pt x="3453987" y="202609"/>
+                  </a:lnTo>
+                  <a:lnTo>
+                    <a:pt x="3376306" y="170626"/>
+                  </a:lnTo>
+                  <a:lnTo>
+                    <a:pt x="3297584" y="141299"/>
+                  </a:lnTo>
+                  <a:lnTo>
+                    <a:pt x="3217911" y="114661"/>
+                  </a:lnTo>
+                  <a:lnTo>
+                    <a:pt x="3137379" y="90745"/>
+                  </a:lnTo>
+                  <a:lnTo>
+                    <a:pt x="3056082" y="69577"/>
+                  </a:lnTo>
+                  <a:lnTo>
+                    <a:pt x="2974113" y="51182"/>
+                  </a:lnTo>
+                  <a:lnTo>
+                    <a:pt x="2891567" y="35580"/>
+                  </a:lnTo>
+                  <a:lnTo>
+                    <a:pt x="2808539" y="22791"/>
+                  </a:lnTo>
+                  <a:lnTo>
+                    <a:pt x="2725124" y="12828"/>
+                  </a:lnTo>
+                  <a:lnTo>
+                    <a:pt x="2641419" y="5704"/>
+                  </a:lnTo>
+                  <a:lnTo>
+                    <a:pt x="2557520" y="1426"/>
+                  </a:lnTo>
+                  <a:lnTo>
+                    <a:pt x="2473524" y="0"/>
+                  </a:lnTo>
+                  <a:lnTo>
+                    <a:pt x="2473524" y="85297"/>
+                  </a:lnTo>
+                  <a:lnTo>
+                    <a:pt x="2473524" y="170594"/>
+                  </a:lnTo>
+                  <a:lnTo>
+                    <a:pt x="2473524" y="255891"/>
+                  </a:lnTo>
+                  <a:lnTo>
+                    <a:pt x="2473524" y="341188"/>
+                  </a:lnTo>
+                  <a:lnTo>
+                    <a:pt x="2473524" y="426485"/>
+                  </a:lnTo>
+                  <a:lnTo>
+                    <a:pt x="2473524" y="511782"/>
+                  </a:lnTo>
+                  <a:lnTo>
+                    <a:pt x="2473524" y="597079"/>
+                  </a:lnTo>
+                  <a:lnTo>
+                    <a:pt x="2473524" y="682376"/>
+                  </a:lnTo>
+                  <a:lnTo>
+                    <a:pt x="2473524" y="767673"/>
+                  </a:lnTo>
+                  <a:lnTo>
+                    <a:pt x="2473524" y="852970"/>
+                  </a:lnTo>
+                  <a:lnTo>
+                    <a:pt x="2473524" y="938267"/>
+                  </a:lnTo>
+                  <a:lnTo>
+                    <a:pt x="2473524" y="1023564"/>
+                  </a:lnTo>
+                  <a:lnTo>
+                    <a:pt x="2473524" y="1108861"/>
+                  </a:lnTo>
+                  <a:lnTo>
+                    <a:pt x="2473524" y="1194158"/>
+                  </a:lnTo>
+                  <a:lnTo>
+                    <a:pt x="2473524" y="1279455"/>
+                  </a:lnTo>
+                  <a:lnTo>
+                    <a:pt x="2473524" y="1364752"/>
+                  </a:lnTo>
+                  <a:lnTo>
+                    <a:pt x="2473524" y="1450049"/>
+                  </a:lnTo>
+                  <a:lnTo>
+                    <a:pt x="2473524" y="1535346"/>
+                  </a:lnTo>
+                  <a:lnTo>
+                    <a:pt x="2473524" y="1620643"/>
+                  </a:lnTo>
+                  <a:lnTo>
+                    <a:pt x="2473524" y="1705940"/>
+                  </a:lnTo>
+                  <a:lnTo>
+                    <a:pt x="2473524" y="1791237"/>
+                  </a:lnTo>
+                  <a:lnTo>
+                    <a:pt x="2473524" y="1876534"/>
+                  </a:lnTo>
+                  <a:lnTo>
+                    <a:pt x="2473524" y="1961831"/>
+                  </a:lnTo>
+                  <a:lnTo>
+                    <a:pt x="2473524" y="2047128"/>
+                  </a:lnTo>
+                  <a:lnTo>
+                    <a:pt x="2473524" y="2132425"/>
+                  </a:lnTo>
+                  <a:lnTo>
+                    <a:pt x="2473524" y="2217722"/>
+                  </a:lnTo>
+                  <a:lnTo>
+                    <a:pt x="2473524" y="2303019"/>
+                  </a:lnTo>
+                  <a:lnTo>
+                    <a:pt x="2473524" y="2388316"/>
+                  </a:lnTo>
+                  <a:close/>
+                </a:path>
+              </a:pathLst>
+            </a:custGeom>
             <a:solidFill>
               <a:srgbClr val="9CC5A1">
                 <a:alpha val="100000"/>
@@ -2313,9 +3056,7 @@
           <p:txBody>
             <a:bodyPr/>
             <a:lstStyle/>
-            <a:p>
-              <a:endParaRPr/>
-            </a:p>
+            <a:p/>
           </p:txBody>
         </p:sp>
         <p:sp>
@@ -2335,10 +3076,10 @@
             <a:noFill/>
           </p:spPr>
           <p:txBody>
-            <a:bodyPr wrap="none" lIns="0" tIns="0" rIns="0" bIns="0" anchor="ctr" anchorCtr="1"/>
+            <a:bodyPr lIns="0" rIns="0" tIns="0" bIns="0" anchorCtr="1" anchor="ctr" wrap="none"/>
             <a:lstStyle/>
             <a:p>
-              <a:pPr marL="0" marR="0" indent="0" algn="l">
+              <a:pPr algn="l" marL="0" marR="0" indent="0">
                 <a:lnSpc>
                   <a:spcPts val="1707"/>
                 </a:lnSpc>
@@ -2381,10 +3122,10 @@
             <a:noFill/>
           </p:spPr>
           <p:txBody>
-            <a:bodyPr wrap="none" lIns="0" tIns="0" rIns="0" bIns="0" anchor="ctr" anchorCtr="1"/>
+            <a:bodyPr lIns="0" rIns="0" tIns="0" bIns="0" anchorCtr="1" anchor="ctr" wrap="none"/>
             <a:lstStyle/>
             <a:p>
-              <a:pPr marL="0" marR="0" indent="0" algn="l">
+              <a:pPr algn="l" marL="0" marR="0" indent="0">
                 <a:lnSpc>
                   <a:spcPts val="1707"/>
                 </a:lnSpc>
@@ -2427,10 +3168,10 @@
             <a:noFill/>
           </p:spPr>
           <p:txBody>
-            <a:bodyPr wrap="none" lIns="0" tIns="0" rIns="0" bIns="0" anchor="ctr" anchorCtr="1"/>
+            <a:bodyPr lIns="0" rIns="0" tIns="0" bIns="0" anchorCtr="1" anchor="ctr" wrap="none"/>
             <a:lstStyle/>
             <a:p>
-              <a:pPr marL="0" marR="0" indent="0" algn="l">
+              <a:pPr algn="l" marL="0" marR="0" indent="0">
                 <a:lnSpc>
                   <a:spcPts val="1320"/>
                 </a:lnSpc>
